--- a/images/theory_analysis/JVM/JVM.pptx
+++ b/images/theory_analysis/JVM/JVM.pptx
@@ -5,11 +5,12 @@
     <p:sldMasterId id="2147483648" r:id="rId1"/>
   </p:sldMasterIdLst>
   <p:notesMasterIdLst>
-    <p:notesMasterId r:id="rId4"/>
+    <p:notesMasterId r:id="rId5"/>
   </p:notesMasterIdLst>
   <p:sldIdLst>
     <p:sldId id="355" r:id="rId2"/>
     <p:sldId id="356" r:id="rId3"/>
+    <p:sldId id="357" r:id="rId4"/>
   </p:sldIdLst>
   <p:sldSz cx="9144000" cy="5143500" type="screen16x9"/>
   <p:notesSz cx="6858000" cy="9144000"/>
@@ -110,7 +111,7 @@
   </p:defaultTextStyle>
   <p:extLst>
     <p:ext uri="{EFAFB233-063F-42B5-8137-9DF3F51BA10A}">
-      <p15:sldGuideLst xmlns:p15="http://schemas.microsoft.com/office/powerpoint/2012/main">
+      <p15:sldGuideLst xmlns:p15="http://schemas.microsoft.com/office/powerpoint/2012/main" xmlns="">
         <p15:guide id="1" orient="horz" pos="2160">
           <p15:clr>
             <a:srgbClr val="A4A3A4"/>
@@ -218,7 +219,7 @@
           <a:p>
             <a:fld id="{6CD5550B-26C4-49A9-A5BA-636EF7BE6CE9}" type="datetimeFigureOut">
               <a:rPr lang="ko-KR" altLang="en-US" smtClean="0"/>
-              <a:t>2017-11-19</a:t>
+              <a:t>2017-11-20</a:t>
             </a:fld>
             <a:endParaRPr lang="ko-KR" altLang="en-US"/>
           </a:p>
@@ -653,6 +654,90 @@
 </p:notes>
 </file>
 
+<file path=ppt/notesSlides/notesSlide3.xml><?xml version="1.0" encoding="utf-8"?>
+<p:notes xmlns:a="http://schemas.openxmlformats.org/drawingml/2006/main" xmlns:r="http://schemas.openxmlformats.org/officeDocument/2006/relationships" xmlns:p="http://schemas.openxmlformats.org/presentationml/2006/main">
+  <p:cSld>
+    <p:spTree>
+      <p:nvGrpSpPr>
+        <p:cNvPr id="1" name=""/>
+        <p:cNvGrpSpPr/>
+        <p:nvPr/>
+      </p:nvGrpSpPr>
+      <p:grpSpPr>
+        <a:xfrm>
+          <a:off x="0" y="0"/>
+          <a:ext cx="0" cy="0"/>
+          <a:chOff x="0" y="0"/>
+          <a:chExt cx="0" cy="0"/>
+        </a:xfrm>
+      </p:grpSpPr>
+      <p:sp>
+        <p:nvSpPr>
+          <p:cNvPr id="2" name="슬라이드 이미지 개체 틀 1"/>
+          <p:cNvSpPr>
+            <a:spLocks noGrp="1" noRot="1" noChangeAspect="1"/>
+          </p:cNvSpPr>
+          <p:nvPr>
+            <p:ph type="sldImg"/>
+          </p:nvPr>
+        </p:nvSpPr>
+        <p:spPr/>
+      </p:sp>
+      <p:sp>
+        <p:nvSpPr>
+          <p:cNvPr id="3" name="슬라이드 노트 개체 틀 2"/>
+          <p:cNvSpPr>
+            <a:spLocks noGrp="1"/>
+          </p:cNvSpPr>
+          <p:nvPr>
+            <p:ph type="body" idx="1"/>
+          </p:nvPr>
+        </p:nvSpPr>
+        <p:spPr/>
+        <p:txBody>
+          <a:bodyPr/>
+          <a:lstStyle/>
+          <a:p>
+            <a:endParaRPr lang="ko-KR" altLang="en-US" dirty="0"/>
+          </a:p>
+        </p:txBody>
+      </p:sp>
+      <p:sp>
+        <p:nvSpPr>
+          <p:cNvPr id="4" name="슬라이드 번호 개체 틀 3"/>
+          <p:cNvSpPr>
+            <a:spLocks noGrp="1"/>
+          </p:cNvSpPr>
+          <p:nvPr>
+            <p:ph type="sldNum" sz="quarter" idx="10"/>
+          </p:nvPr>
+        </p:nvSpPr>
+        <p:spPr/>
+        <p:txBody>
+          <a:bodyPr/>
+          <a:lstStyle/>
+          <a:p>
+            <a:fld id="{BA5DFA43-8D57-47FB-BC46-057616015C3B}" type="slidenum">
+              <a:rPr lang="ko-KR" altLang="en-US" smtClean="0"/>
+              <a:t>3</a:t>
+            </a:fld>
+            <a:endParaRPr lang="ko-KR" altLang="en-US"/>
+          </a:p>
+        </p:txBody>
+      </p:sp>
+    </p:spTree>
+    <p:extLst>
+      <p:ext uri="{BB962C8B-B14F-4D97-AF65-F5344CB8AC3E}">
+        <p14:creationId xmlns:p14="http://schemas.microsoft.com/office/powerpoint/2010/main" val="1383656093"/>
+      </p:ext>
+    </p:extLst>
+  </p:cSld>
+  <p:clrMapOvr>
+    <a:masterClrMapping/>
+  </p:clrMapOvr>
+</p:notes>
+</file>
+
 <file path=ppt/slideLayouts/slideLayout1.xml><?xml version="1.0" encoding="utf-8"?>
 <p:sldLayout xmlns:a="http://schemas.openxmlformats.org/drawingml/2006/main" xmlns:r="http://schemas.openxmlformats.org/officeDocument/2006/relationships" xmlns:p="http://schemas.openxmlformats.org/presentationml/2006/main" type="title" preserve="1">
   <p:cSld name="제목 슬라이드">
@@ -832,7 +917,7 @@
           <a:p>
             <a:fld id="{FB30EDBD-1C2D-4C1E-B459-B60219FAB484}" type="datetimeFigureOut">
               <a:rPr lang="ko-KR" altLang="en-US" smtClean="0"/>
-              <a:t>2017-11-19</a:t>
+              <a:t>2017-11-20</a:t>
             </a:fld>
             <a:endParaRPr lang="ko-KR" altLang="en-US"/>
           </a:p>
@@ -995,7 +1080,7 @@
           <a:p>
             <a:fld id="{FB30EDBD-1C2D-4C1E-B459-B60219FAB484}" type="datetimeFigureOut">
               <a:rPr lang="ko-KR" altLang="en-US" smtClean="0"/>
-              <a:t>2017-11-19</a:t>
+              <a:t>2017-11-20</a:t>
             </a:fld>
             <a:endParaRPr lang="ko-KR" altLang="en-US"/>
           </a:p>
@@ -1168,7 +1253,7 @@
           <a:p>
             <a:fld id="{FB30EDBD-1C2D-4C1E-B459-B60219FAB484}" type="datetimeFigureOut">
               <a:rPr lang="ko-KR" altLang="en-US" smtClean="0"/>
-              <a:t>2017-11-19</a:t>
+              <a:t>2017-11-20</a:t>
             </a:fld>
             <a:endParaRPr lang="ko-KR" altLang="en-US"/>
           </a:p>
@@ -1331,7 +1416,7 @@
           <a:p>
             <a:fld id="{FB30EDBD-1C2D-4C1E-B459-B60219FAB484}" type="datetimeFigureOut">
               <a:rPr lang="ko-KR" altLang="en-US" smtClean="0"/>
-              <a:t>2017-11-19</a:t>
+              <a:t>2017-11-20</a:t>
             </a:fld>
             <a:endParaRPr lang="ko-KR" altLang="en-US"/>
           </a:p>
@@ -1571,7 +1656,7 @@
           <a:p>
             <a:fld id="{FB30EDBD-1C2D-4C1E-B459-B60219FAB484}" type="datetimeFigureOut">
               <a:rPr lang="ko-KR" altLang="en-US" smtClean="0"/>
-              <a:t>2017-11-19</a:t>
+              <a:t>2017-11-20</a:t>
             </a:fld>
             <a:endParaRPr lang="ko-KR" altLang="en-US"/>
           </a:p>
@@ -1851,7 +1936,7 @@
           <a:p>
             <a:fld id="{FB30EDBD-1C2D-4C1E-B459-B60219FAB484}" type="datetimeFigureOut">
               <a:rPr lang="ko-KR" altLang="en-US" smtClean="0"/>
-              <a:t>2017-11-19</a:t>
+              <a:t>2017-11-20</a:t>
             </a:fld>
             <a:endParaRPr lang="ko-KR" altLang="en-US"/>
           </a:p>
@@ -2265,7 +2350,7 @@
           <a:p>
             <a:fld id="{FB30EDBD-1C2D-4C1E-B459-B60219FAB484}" type="datetimeFigureOut">
               <a:rPr lang="ko-KR" altLang="en-US" smtClean="0"/>
-              <a:t>2017-11-19</a:t>
+              <a:t>2017-11-20</a:t>
             </a:fld>
             <a:endParaRPr lang="ko-KR" altLang="en-US"/>
           </a:p>
@@ -2377,7 +2462,7 @@
           <a:p>
             <a:fld id="{FB30EDBD-1C2D-4C1E-B459-B60219FAB484}" type="datetimeFigureOut">
               <a:rPr lang="ko-KR" altLang="en-US" smtClean="0"/>
-              <a:t>2017-11-19</a:t>
+              <a:t>2017-11-20</a:t>
             </a:fld>
             <a:endParaRPr lang="ko-KR" altLang="en-US"/>
           </a:p>
@@ -2467,7 +2552,7 @@
           <a:p>
             <a:fld id="{FB30EDBD-1C2D-4C1E-B459-B60219FAB484}" type="datetimeFigureOut">
               <a:rPr lang="ko-KR" altLang="en-US" smtClean="0"/>
-              <a:t>2017-11-19</a:t>
+              <a:t>2017-11-20</a:t>
             </a:fld>
             <a:endParaRPr lang="ko-KR" altLang="en-US"/>
           </a:p>
@@ -2737,7 +2822,7 @@
           <a:p>
             <a:fld id="{FB30EDBD-1C2D-4C1E-B459-B60219FAB484}" type="datetimeFigureOut">
               <a:rPr lang="ko-KR" altLang="en-US" smtClean="0"/>
-              <a:t>2017-11-19</a:t>
+              <a:t>2017-11-20</a:t>
             </a:fld>
             <a:endParaRPr lang="ko-KR" altLang="en-US"/>
           </a:p>
@@ -2984,7 +3069,7 @@
           <a:p>
             <a:fld id="{FB30EDBD-1C2D-4C1E-B459-B60219FAB484}" type="datetimeFigureOut">
               <a:rPr lang="ko-KR" altLang="en-US" smtClean="0"/>
-              <a:t>2017-11-19</a:t>
+              <a:t>2017-11-20</a:t>
             </a:fld>
             <a:endParaRPr lang="ko-KR" altLang="en-US"/>
           </a:p>
@@ -3190,7 +3275,7 @@
           <a:p>
             <a:fld id="{FB30EDBD-1C2D-4C1E-B459-B60219FAB484}" type="datetimeFigureOut">
               <a:rPr lang="ko-KR" altLang="en-US" smtClean="0"/>
-              <a:t>2017-11-19</a:t>
+              <a:t>2017-11-20</a:t>
             </a:fld>
             <a:endParaRPr lang="ko-KR" altLang="en-US"/>
           </a:p>
@@ -3601,7 +3686,7 @@
           <p:cNvPr id="5" name="사각형: 둥근 모서리 4">
             <a:extLst>
               <a:ext uri="{FF2B5EF4-FFF2-40B4-BE49-F238E27FC236}">
-                <a16:creationId xmlns:a16="http://schemas.microsoft.com/office/drawing/2014/main" id="{AC14FF3C-BEF2-4BFB-B6B1-9FFE7B195D55}"/>
+                <a16:creationId xmlns:a16="http://schemas.microsoft.com/office/drawing/2014/main" xmlns="" id="{AC14FF3C-BEF2-4BFB-B6B1-9FFE7B195D55}"/>
               </a:ext>
             </a:extLst>
           </p:cNvPr>
@@ -3651,7 +3736,7 @@
           <p:cNvPr id="33" name="사각형: 둥근 모서리 32">
             <a:extLst>
               <a:ext uri="{FF2B5EF4-FFF2-40B4-BE49-F238E27FC236}">
-                <a16:creationId xmlns:a16="http://schemas.microsoft.com/office/drawing/2014/main" id="{0ED80822-E913-4A6C-ADAC-5DA27FAF8CE4}"/>
+                <a16:creationId xmlns:a16="http://schemas.microsoft.com/office/drawing/2014/main" xmlns="" id="{0ED80822-E913-4A6C-ADAC-5DA27FAF8CE4}"/>
               </a:ext>
             </a:extLst>
           </p:cNvPr>
@@ -3701,7 +3786,7 @@
           <p:cNvPr id="34" name="사각형: 둥근 모서리 33">
             <a:extLst>
               <a:ext uri="{FF2B5EF4-FFF2-40B4-BE49-F238E27FC236}">
-                <a16:creationId xmlns:a16="http://schemas.microsoft.com/office/drawing/2014/main" id="{13890B0C-1BD2-4E04-9707-4D40419B4199}"/>
+                <a16:creationId xmlns:a16="http://schemas.microsoft.com/office/drawing/2014/main" xmlns="" id="{13890B0C-1BD2-4E04-9707-4D40419B4199}"/>
               </a:ext>
             </a:extLst>
           </p:cNvPr>
@@ -3751,7 +3836,7 @@
           <p:cNvPr id="35" name="사각형: 둥근 모서리 34">
             <a:extLst>
               <a:ext uri="{FF2B5EF4-FFF2-40B4-BE49-F238E27FC236}">
-                <a16:creationId xmlns:a16="http://schemas.microsoft.com/office/drawing/2014/main" id="{3B688963-A02A-4DA1-8BBD-5F37E7C46BAC}"/>
+                <a16:creationId xmlns:a16="http://schemas.microsoft.com/office/drawing/2014/main" xmlns="" id="{3B688963-A02A-4DA1-8BBD-5F37E7C46BAC}"/>
               </a:ext>
             </a:extLst>
           </p:cNvPr>
@@ -3808,7 +3893,7 @@
           <p:cNvPr id="36" name="사각형: 둥근 모서리 35">
             <a:extLst>
               <a:ext uri="{FF2B5EF4-FFF2-40B4-BE49-F238E27FC236}">
-                <a16:creationId xmlns:a16="http://schemas.microsoft.com/office/drawing/2014/main" id="{5FB5E565-2567-4717-A20A-144566F7E642}"/>
+                <a16:creationId xmlns:a16="http://schemas.microsoft.com/office/drawing/2014/main" xmlns="" id="{5FB5E565-2567-4717-A20A-144566F7E642}"/>
               </a:ext>
             </a:extLst>
           </p:cNvPr>
@@ -3865,7 +3950,7 @@
           <p:cNvPr id="37" name="사각형: 둥근 모서리 36">
             <a:extLst>
               <a:ext uri="{FF2B5EF4-FFF2-40B4-BE49-F238E27FC236}">
-                <a16:creationId xmlns:a16="http://schemas.microsoft.com/office/drawing/2014/main" id="{4018AE8C-637E-4015-9FAC-B75C5DE033F6}"/>
+                <a16:creationId xmlns:a16="http://schemas.microsoft.com/office/drawing/2014/main" xmlns="" id="{4018AE8C-637E-4015-9FAC-B75C5DE033F6}"/>
               </a:ext>
             </a:extLst>
           </p:cNvPr>
@@ -3922,7 +4007,7 @@
           <p:cNvPr id="38" name="사각형: 둥근 모서리 37">
             <a:extLst>
               <a:ext uri="{FF2B5EF4-FFF2-40B4-BE49-F238E27FC236}">
-                <a16:creationId xmlns:a16="http://schemas.microsoft.com/office/drawing/2014/main" id="{34F82070-9396-4146-A0A3-40CCD4B79434}"/>
+                <a16:creationId xmlns:a16="http://schemas.microsoft.com/office/drawing/2014/main" xmlns="" id="{34F82070-9396-4146-A0A3-40CCD4B79434}"/>
               </a:ext>
             </a:extLst>
           </p:cNvPr>
@@ -3979,7 +4064,7 @@
           <p:cNvPr id="8" name="직선 화살표 연결선 7">
             <a:extLst>
               <a:ext uri="{FF2B5EF4-FFF2-40B4-BE49-F238E27FC236}">
-                <a16:creationId xmlns:a16="http://schemas.microsoft.com/office/drawing/2014/main" id="{99455ECB-1F8C-4A67-8ED0-95F7265627E7}"/>
+                <a16:creationId xmlns:a16="http://schemas.microsoft.com/office/drawing/2014/main" xmlns="" id="{99455ECB-1F8C-4A67-8ED0-95F7265627E7}"/>
               </a:ext>
             </a:extLst>
           </p:cNvPr>
@@ -4025,7 +4110,7 @@
           <p:cNvPr id="41" name="직선 화살표 연결선 40">
             <a:extLst>
               <a:ext uri="{FF2B5EF4-FFF2-40B4-BE49-F238E27FC236}">
-                <a16:creationId xmlns:a16="http://schemas.microsoft.com/office/drawing/2014/main" id="{31C68760-505D-47D4-89A6-7108E811D63E}"/>
+                <a16:creationId xmlns:a16="http://schemas.microsoft.com/office/drawing/2014/main" xmlns="" id="{31C68760-505D-47D4-89A6-7108E811D63E}"/>
               </a:ext>
             </a:extLst>
           </p:cNvPr>
@@ -4071,7 +4156,7 @@
           <p:cNvPr id="50" name="직선 화살표 연결선 49">
             <a:extLst>
               <a:ext uri="{FF2B5EF4-FFF2-40B4-BE49-F238E27FC236}">
-                <a16:creationId xmlns:a16="http://schemas.microsoft.com/office/drawing/2014/main" id="{85F2B56F-8F96-4775-9981-CCCBF721116A}"/>
+                <a16:creationId xmlns:a16="http://schemas.microsoft.com/office/drawing/2014/main" xmlns="" id="{85F2B56F-8F96-4775-9981-CCCBF721116A}"/>
               </a:ext>
             </a:extLst>
           </p:cNvPr>
@@ -4118,7 +4203,7 @@
           <p:cNvPr id="54" name="직선 화살표 연결선 53">
             <a:extLst>
               <a:ext uri="{FF2B5EF4-FFF2-40B4-BE49-F238E27FC236}">
-                <a16:creationId xmlns:a16="http://schemas.microsoft.com/office/drawing/2014/main" id="{6C64DF22-313E-44EB-A9CB-D52253B3C3F2}"/>
+                <a16:creationId xmlns:a16="http://schemas.microsoft.com/office/drawing/2014/main" xmlns="" id="{6C64DF22-313E-44EB-A9CB-D52253B3C3F2}"/>
               </a:ext>
             </a:extLst>
           </p:cNvPr>
@@ -4165,7 +4250,7 @@
           <p:cNvPr id="70" name="사각형: 둥근 모서리 69">
             <a:extLst>
               <a:ext uri="{FF2B5EF4-FFF2-40B4-BE49-F238E27FC236}">
-                <a16:creationId xmlns:a16="http://schemas.microsoft.com/office/drawing/2014/main" id="{8C42BF44-1202-42C6-8089-8371A4435DBA}"/>
+                <a16:creationId xmlns:a16="http://schemas.microsoft.com/office/drawing/2014/main" xmlns="" id="{8C42BF44-1202-42C6-8089-8371A4435DBA}"/>
               </a:ext>
             </a:extLst>
           </p:cNvPr>
@@ -4215,7 +4300,7 @@
           <p:cNvPr id="71" name="사각형: 둥근 모서리 70">
             <a:extLst>
               <a:ext uri="{FF2B5EF4-FFF2-40B4-BE49-F238E27FC236}">
-                <a16:creationId xmlns:a16="http://schemas.microsoft.com/office/drawing/2014/main" id="{F8FA75F0-BEED-444F-A182-0749C1041842}"/>
+                <a16:creationId xmlns:a16="http://schemas.microsoft.com/office/drawing/2014/main" xmlns="" id="{F8FA75F0-BEED-444F-A182-0749C1041842}"/>
               </a:ext>
             </a:extLst>
           </p:cNvPr>
@@ -4265,7 +4350,7 @@
           <p:cNvPr id="77" name="사각형: 둥근 모서리 76">
             <a:extLst>
               <a:ext uri="{FF2B5EF4-FFF2-40B4-BE49-F238E27FC236}">
-                <a16:creationId xmlns:a16="http://schemas.microsoft.com/office/drawing/2014/main" id="{A880534C-3EBA-4B7A-8D9D-9C19B29068A2}"/>
+                <a16:creationId xmlns:a16="http://schemas.microsoft.com/office/drawing/2014/main" xmlns="" id="{A880534C-3EBA-4B7A-8D9D-9C19B29068A2}"/>
               </a:ext>
             </a:extLst>
           </p:cNvPr>
@@ -4315,7 +4400,7 @@
           <p:cNvPr id="88" name="사각형: 둥근 모서리 87">
             <a:extLst>
               <a:ext uri="{FF2B5EF4-FFF2-40B4-BE49-F238E27FC236}">
-                <a16:creationId xmlns:a16="http://schemas.microsoft.com/office/drawing/2014/main" id="{103D79A6-654B-4023-B3CC-3A17D3A14472}"/>
+                <a16:creationId xmlns:a16="http://schemas.microsoft.com/office/drawing/2014/main" xmlns="" id="{103D79A6-654B-4023-B3CC-3A17D3A14472}"/>
               </a:ext>
             </a:extLst>
           </p:cNvPr>
@@ -4365,7 +4450,7 @@
           <p:cNvPr id="89" name="사각형: 둥근 모서리 88">
             <a:extLst>
               <a:ext uri="{FF2B5EF4-FFF2-40B4-BE49-F238E27FC236}">
-                <a16:creationId xmlns:a16="http://schemas.microsoft.com/office/drawing/2014/main" id="{DDF6AEC1-72AC-4AC7-93E1-5C2AD9C83F93}"/>
+                <a16:creationId xmlns:a16="http://schemas.microsoft.com/office/drawing/2014/main" xmlns="" id="{DDF6AEC1-72AC-4AC7-93E1-5C2AD9C83F93}"/>
               </a:ext>
             </a:extLst>
           </p:cNvPr>
@@ -4415,7 +4500,7 @@
           <p:cNvPr id="90" name="사각형: 둥근 모서리 89">
             <a:extLst>
               <a:ext uri="{FF2B5EF4-FFF2-40B4-BE49-F238E27FC236}">
-                <a16:creationId xmlns:a16="http://schemas.microsoft.com/office/drawing/2014/main" id="{D6DDBD61-0419-4C6E-AFB9-993C5E98B44B}"/>
+                <a16:creationId xmlns:a16="http://schemas.microsoft.com/office/drawing/2014/main" xmlns="" id="{D6DDBD61-0419-4C6E-AFB9-993C5E98B44B}"/>
               </a:ext>
             </a:extLst>
           </p:cNvPr>
@@ -4465,7 +4550,7 @@
           <p:cNvPr id="91" name="사각형: 둥근 모서리 90">
             <a:extLst>
               <a:ext uri="{FF2B5EF4-FFF2-40B4-BE49-F238E27FC236}">
-                <a16:creationId xmlns:a16="http://schemas.microsoft.com/office/drawing/2014/main" id="{164CD56E-83E0-4794-A85C-7C7978701577}"/>
+                <a16:creationId xmlns:a16="http://schemas.microsoft.com/office/drawing/2014/main" xmlns="" id="{164CD56E-83E0-4794-A85C-7C7978701577}"/>
               </a:ext>
             </a:extLst>
           </p:cNvPr>
@@ -4522,7 +4607,7 @@
           <p:cNvPr id="92" name="사각형: 둥근 모서리 91">
             <a:extLst>
               <a:ext uri="{FF2B5EF4-FFF2-40B4-BE49-F238E27FC236}">
-                <a16:creationId xmlns:a16="http://schemas.microsoft.com/office/drawing/2014/main" id="{2CFF8DDA-B67F-4B62-83E7-043F87F0C3F2}"/>
+                <a16:creationId xmlns:a16="http://schemas.microsoft.com/office/drawing/2014/main" xmlns="" id="{2CFF8DDA-B67F-4B62-83E7-043F87F0C3F2}"/>
               </a:ext>
             </a:extLst>
           </p:cNvPr>
@@ -4579,7 +4664,7 @@
           <p:cNvPr id="93" name="사각형: 둥근 모서리 92">
             <a:extLst>
               <a:ext uri="{FF2B5EF4-FFF2-40B4-BE49-F238E27FC236}">
-                <a16:creationId xmlns:a16="http://schemas.microsoft.com/office/drawing/2014/main" id="{BD280C96-8495-4F44-93C1-FDBAFD1DE9E3}"/>
+                <a16:creationId xmlns:a16="http://schemas.microsoft.com/office/drawing/2014/main" xmlns="" id="{BD280C96-8495-4F44-93C1-FDBAFD1DE9E3}"/>
               </a:ext>
             </a:extLst>
           </p:cNvPr>
@@ -4636,7 +4721,7 @@
           <p:cNvPr id="102" name="사각형: 둥근 모서리 101">
             <a:extLst>
               <a:ext uri="{FF2B5EF4-FFF2-40B4-BE49-F238E27FC236}">
-                <a16:creationId xmlns:a16="http://schemas.microsoft.com/office/drawing/2014/main" id="{1D13DC85-E544-4055-84D5-1D33BFF30AEB}"/>
+                <a16:creationId xmlns:a16="http://schemas.microsoft.com/office/drawing/2014/main" xmlns="" id="{1D13DC85-E544-4055-84D5-1D33BFF30AEB}"/>
               </a:ext>
             </a:extLst>
           </p:cNvPr>
@@ -4686,7 +4771,7 @@
           <p:cNvPr id="103" name="직선 화살표 연결선 102">
             <a:extLst>
               <a:ext uri="{FF2B5EF4-FFF2-40B4-BE49-F238E27FC236}">
-                <a16:creationId xmlns:a16="http://schemas.microsoft.com/office/drawing/2014/main" id="{17E7CE9C-E8F1-4271-B6B7-0AB5298D744B}"/>
+                <a16:creationId xmlns:a16="http://schemas.microsoft.com/office/drawing/2014/main" xmlns="" id="{17E7CE9C-E8F1-4271-B6B7-0AB5298D744B}"/>
               </a:ext>
             </a:extLst>
           </p:cNvPr>
@@ -4733,7 +4818,7 @@
           <p:cNvPr id="58" name="직선 화살표 연결선 57">
             <a:extLst>
               <a:ext uri="{FF2B5EF4-FFF2-40B4-BE49-F238E27FC236}">
-                <a16:creationId xmlns:a16="http://schemas.microsoft.com/office/drawing/2014/main" id="{0312F228-A530-4215-B0ED-105D8CA8EE04}"/>
+                <a16:creationId xmlns:a16="http://schemas.microsoft.com/office/drawing/2014/main" xmlns="" id="{0312F228-A530-4215-B0ED-105D8CA8EE04}"/>
               </a:ext>
             </a:extLst>
           </p:cNvPr>
@@ -4838,7 +4923,7 @@
           <p:cNvPr id="21" name="사각형: 둥근 모서리 20">
             <a:extLst>
               <a:ext uri="{FF2B5EF4-FFF2-40B4-BE49-F238E27FC236}">
-                <a16:creationId xmlns:a16="http://schemas.microsoft.com/office/drawing/2014/main" id="{7A0F6361-BCF8-4E4B-8C49-8129BEC66181}"/>
+                <a16:creationId xmlns:a16="http://schemas.microsoft.com/office/drawing/2014/main" xmlns="" id="{7A0F6361-BCF8-4E4B-8C49-8129BEC66181}"/>
               </a:ext>
             </a:extLst>
           </p:cNvPr>
@@ -4895,7 +4980,7 @@
           <p:cNvPr id="22" name="사각형: 둥근 모서리 21">
             <a:extLst>
               <a:ext uri="{FF2B5EF4-FFF2-40B4-BE49-F238E27FC236}">
-                <a16:creationId xmlns:a16="http://schemas.microsoft.com/office/drawing/2014/main" id="{C2C658F1-203A-4CDF-8931-3304CF62B43D}"/>
+                <a16:creationId xmlns:a16="http://schemas.microsoft.com/office/drawing/2014/main" xmlns="" id="{C2C658F1-203A-4CDF-8931-3304CF62B43D}"/>
               </a:ext>
             </a:extLst>
           </p:cNvPr>
@@ -4952,7 +5037,7 @@
           <p:cNvPr id="23" name="사각형: 둥근 모서리 22">
             <a:extLst>
               <a:ext uri="{FF2B5EF4-FFF2-40B4-BE49-F238E27FC236}">
-                <a16:creationId xmlns:a16="http://schemas.microsoft.com/office/drawing/2014/main" id="{0D76C54C-A3BE-4D61-8005-DC7C77DFCD0C}"/>
+                <a16:creationId xmlns:a16="http://schemas.microsoft.com/office/drawing/2014/main" xmlns="" id="{0D76C54C-A3BE-4D61-8005-DC7C77DFCD0C}"/>
               </a:ext>
             </a:extLst>
           </p:cNvPr>
@@ -5009,7 +5094,7 @@
           <p:cNvPr id="24" name="직선 화살표 연결선 23">
             <a:extLst>
               <a:ext uri="{FF2B5EF4-FFF2-40B4-BE49-F238E27FC236}">
-                <a16:creationId xmlns:a16="http://schemas.microsoft.com/office/drawing/2014/main" id="{4B07A47B-E3B4-4132-9E09-E638E5020D29}"/>
+                <a16:creationId xmlns:a16="http://schemas.microsoft.com/office/drawing/2014/main" xmlns="" id="{4B07A47B-E3B4-4132-9E09-E638E5020D29}"/>
               </a:ext>
             </a:extLst>
           </p:cNvPr>
@@ -5056,7 +5141,7 @@
           <p:cNvPr id="27" name="직선 화살표 연결선 26">
             <a:extLst>
               <a:ext uri="{FF2B5EF4-FFF2-40B4-BE49-F238E27FC236}">
-                <a16:creationId xmlns:a16="http://schemas.microsoft.com/office/drawing/2014/main" id="{C57CA143-10BC-4F75-BDEC-0F96FACB1144}"/>
+                <a16:creationId xmlns:a16="http://schemas.microsoft.com/office/drawing/2014/main" xmlns="" id="{C57CA143-10BC-4F75-BDEC-0F96FACB1144}"/>
               </a:ext>
             </a:extLst>
           </p:cNvPr>
@@ -5103,7 +5188,7 @@
           <p:cNvPr id="31" name="사각형: 둥근 모서리 30">
             <a:extLst>
               <a:ext uri="{FF2B5EF4-FFF2-40B4-BE49-F238E27FC236}">
-                <a16:creationId xmlns:a16="http://schemas.microsoft.com/office/drawing/2014/main" id="{2ABBF860-9506-4A50-A578-D4B1D06E10D1}"/>
+                <a16:creationId xmlns:a16="http://schemas.microsoft.com/office/drawing/2014/main" xmlns="" id="{2ABBF860-9506-4A50-A578-D4B1D06E10D1}"/>
               </a:ext>
             </a:extLst>
           </p:cNvPr>
@@ -5153,7 +5238,7 @@
           <p:cNvPr id="39" name="사각형: 둥근 모서리 38">
             <a:extLst>
               <a:ext uri="{FF2B5EF4-FFF2-40B4-BE49-F238E27FC236}">
-                <a16:creationId xmlns:a16="http://schemas.microsoft.com/office/drawing/2014/main" id="{02401BBC-CA91-4BB2-BE06-01EB7D7040E7}"/>
+                <a16:creationId xmlns:a16="http://schemas.microsoft.com/office/drawing/2014/main" xmlns="" id="{02401BBC-CA91-4BB2-BE06-01EB7D7040E7}"/>
               </a:ext>
             </a:extLst>
           </p:cNvPr>
@@ -5203,7 +5288,7 @@
           <p:cNvPr id="40" name="직선 화살표 연결선 39">
             <a:extLst>
               <a:ext uri="{FF2B5EF4-FFF2-40B4-BE49-F238E27FC236}">
-                <a16:creationId xmlns:a16="http://schemas.microsoft.com/office/drawing/2014/main" id="{0258ECFF-791F-4F75-9B23-4F9153CF0B3D}"/>
+                <a16:creationId xmlns:a16="http://schemas.microsoft.com/office/drawing/2014/main" xmlns="" id="{0258ECFF-791F-4F75-9B23-4F9153CF0B3D}"/>
               </a:ext>
             </a:extLst>
           </p:cNvPr>
@@ -5250,7 +5335,7 @@
           <p:cNvPr id="42" name="직선 화살표 연결선 41">
             <a:extLst>
               <a:ext uri="{FF2B5EF4-FFF2-40B4-BE49-F238E27FC236}">
-                <a16:creationId xmlns:a16="http://schemas.microsoft.com/office/drawing/2014/main" id="{2DA03BE7-349D-42EB-841F-ACDF1C324F62}"/>
+                <a16:creationId xmlns:a16="http://schemas.microsoft.com/office/drawing/2014/main" xmlns="" id="{2DA03BE7-349D-42EB-841F-ACDF1C324F62}"/>
               </a:ext>
             </a:extLst>
           </p:cNvPr>
@@ -5297,7 +5382,7 @@
           <p:cNvPr id="45" name="사각형: 둥근 모서리 44">
             <a:extLst>
               <a:ext uri="{FF2B5EF4-FFF2-40B4-BE49-F238E27FC236}">
-                <a16:creationId xmlns:a16="http://schemas.microsoft.com/office/drawing/2014/main" id="{25E8936D-6811-4F8E-A74C-CD9BB1822F5F}"/>
+                <a16:creationId xmlns:a16="http://schemas.microsoft.com/office/drawing/2014/main" xmlns="" id="{25E8936D-6811-4F8E-A74C-CD9BB1822F5F}"/>
               </a:ext>
             </a:extLst>
           </p:cNvPr>
@@ -5347,7 +5432,7 @@
           <p:cNvPr id="46" name="직선 화살표 연결선 45">
             <a:extLst>
               <a:ext uri="{FF2B5EF4-FFF2-40B4-BE49-F238E27FC236}">
-                <a16:creationId xmlns:a16="http://schemas.microsoft.com/office/drawing/2014/main" id="{88EEC10E-79C7-4B94-8CA2-B1D1B18B8242}"/>
+                <a16:creationId xmlns:a16="http://schemas.microsoft.com/office/drawing/2014/main" xmlns="" id="{88EEC10E-79C7-4B94-8CA2-B1D1B18B8242}"/>
               </a:ext>
             </a:extLst>
           </p:cNvPr>
@@ -5394,7 +5479,7 @@
           <p:cNvPr id="28" name="직선 연결선 27">
             <a:extLst>
               <a:ext uri="{FF2B5EF4-FFF2-40B4-BE49-F238E27FC236}">
-                <a16:creationId xmlns:a16="http://schemas.microsoft.com/office/drawing/2014/main" id="{A99299D2-4ABB-4DDA-BDE7-BA71B9F61E42}"/>
+                <a16:creationId xmlns:a16="http://schemas.microsoft.com/office/drawing/2014/main" xmlns="" id="{A99299D2-4ABB-4DDA-BDE7-BA71B9F61E42}"/>
               </a:ext>
             </a:extLst>
           </p:cNvPr>
@@ -5438,7 +5523,7 @@
           <p:cNvPr id="53" name="사각형: 둥근 모서리 52">
             <a:extLst>
               <a:ext uri="{FF2B5EF4-FFF2-40B4-BE49-F238E27FC236}">
-                <a16:creationId xmlns:a16="http://schemas.microsoft.com/office/drawing/2014/main" id="{2C026359-8EB3-4205-B4DD-50325E2AE2CD}"/>
+                <a16:creationId xmlns:a16="http://schemas.microsoft.com/office/drawing/2014/main" xmlns="" id="{2C026359-8EB3-4205-B4DD-50325E2AE2CD}"/>
               </a:ext>
             </a:extLst>
           </p:cNvPr>
@@ -5491,7 +5576,7 @@
           <p:cNvPr id="55" name="사각형: 둥근 모서리 54">
             <a:extLst>
               <a:ext uri="{FF2B5EF4-FFF2-40B4-BE49-F238E27FC236}">
-                <a16:creationId xmlns:a16="http://schemas.microsoft.com/office/drawing/2014/main" id="{54191E13-9C02-445B-A0E9-860191A5017D}"/>
+                <a16:creationId xmlns:a16="http://schemas.microsoft.com/office/drawing/2014/main" xmlns="" id="{54191E13-9C02-445B-A0E9-860191A5017D}"/>
               </a:ext>
             </a:extLst>
           </p:cNvPr>
@@ -5543,6 +5628,1591 @@
     <p:extLst>
       <p:ext uri="{BB962C8B-B14F-4D97-AF65-F5344CB8AC3E}">
         <p14:creationId xmlns:p14="http://schemas.microsoft.com/office/powerpoint/2010/main" val="4101390774"/>
+      </p:ext>
+    </p:extLst>
+  </p:cSld>
+  <p:clrMapOvr>
+    <a:masterClrMapping/>
+  </p:clrMapOvr>
+</p:sld>
+</file>
+
+<file path=ppt/slides/slide3.xml><?xml version="1.0" encoding="utf-8"?>
+<p:sld xmlns:a="http://schemas.openxmlformats.org/drawingml/2006/main" xmlns:r="http://schemas.openxmlformats.org/officeDocument/2006/relationships" xmlns:p="http://schemas.openxmlformats.org/presentationml/2006/main">
+  <p:cSld>
+    <p:spTree>
+      <p:nvGrpSpPr>
+        <p:cNvPr id="1" name=""/>
+        <p:cNvGrpSpPr/>
+        <p:nvPr/>
+      </p:nvGrpSpPr>
+      <p:grpSpPr>
+        <a:xfrm>
+          <a:off x="0" y="0"/>
+          <a:ext cx="0" cy="0"/>
+          <a:chOff x="0" y="0"/>
+          <a:chExt cx="0" cy="0"/>
+        </a:xfrm>
+      </p:grpSpPr>
+      <p:sp>
+        <p:nvSpPr>
+          <p:cNvPr id="2" name="제목 1"/>
+          <p:cNvSpPr>
+            <a:spLocks noGrp="1"/>
+          </p:cNvSpPr>
+          <p:nvPr>
+            <p:ph type="title"/>
+          </p:nvPr>
+        </p:nvSpPr>
+        <p:spPr>
+          <a:xfrm>
+            <a:off x="457200" y="-157708"/>
+            <a:ext cx="8229600" cy="857250"/>
+          </a:xfrm>
+        </p:spPr>
+        <p:txBody>
+          <a:bodyPr/>
+          <a:lstStyle/>
+          <a:p>
+            <a:r>
+              <a:rPr lang="en-US" altLang="ko-KR" dirty="0" smtClean="0"/>
+              <a:t>Runtime Memory </a:t>
+            </a:r>
+            <a:endParaRPr lang="ko-KR" altLang="en-US" dirty="0"/>
+          </a:p>
+        </p:txBody>
+      </p:sp>
+      <p:sp>
+        <p:nvSpPr>
+          <p:cNvPr id="17" name="사각형: 둥근 모서리 87">
+            <a:extLst>
+              <a:ext uri="{FF2B5EF4-FFF2-40B4-BE49-F238E27FC236}">
+                <a16:creationId xmlns:a16="http://schemas.microsoft.com/office/drawing/2014/main" xmlns="" id="{103D79A6-654B-4023-B3CC-3A17D3A14472}"/>
+              </a:ext>
+            </a:extLst>
+          </p:cNvPr>
+          <p:cNvSpPr/>
+          <p:nvPr/>
+        </p:nvSpPr>
+        <p:spPr>
+          <a:xfrm>
+            <a:off x="179512" y="1857691"/>
+            <a:ext cx="1440160" cy="2370243"/>
+          </a:xfrm>
+          <a:prstGeom prst="roundRect">
+            <a:avLst>
+              <a:gd name="adj" fmla="val 4322"/>
+            </a:avLst>
+          </a:prstGeom>
+        </p:spPr>
+        <p:style>
+          <a:lnRef idx="2">
+            <a:schemeClr val="dk1"/>
+          </a:lnRef>
+          <a:fillRef idx="1">
+            <a:schemeClr val="lt1"/>
+          </a:fillRef>
+          <a:effectRef idx="0">
+            <a:schemeClr val="dk1"/>
+          </a:effectRef>
+          <a:fontRef idx="minor">
+            <a:schemeClr val="dk1"/>
+          </a:fontRef>
+        </p:style>
+        <p:txBody>
+          <a:bodyPr rtlCol="0" anchor="t"/>
+          <a:lstStyle/>
+          <a:p>
+            <a:pPr algn="ctr"/>
+            <a:r>
+              <a:rPr lang="en-US" altLang="ko-KR" sz="1200" b="1" dirty="0" smtClean="0"/>
+              <a:t>Method Area</a:t>
+            </a:r>
+            <a:endParaRPr lang="ko-KR" altLang="en-US" sz="1200" b="1" dirty="0"/>
+          </a:p>
+        </p:txBody>
+      </p:sp>
+      <p:sp>
+        <p:nvSpPr>
+          <p:cNvPr id="18" name="사각형: 둥근 모서리 88">
+            <a:extLst>
+              <a:ext uri="{FF2B5EF4-FFF2-40B4-BE49-F238E27FC236}">
+                <a16:creationId xmlns:a16="http://schemas.microsoft.com/office/drawing/2014/main" xmlns="" id="{DDF6AEC1-72AC-4AC7-93E1-5C2AD9C83F93}"/>
+              </a:ext>
+            </a:extLst>
+          </p:cNvPr>
+          <p:cNvSpPr/>
+          <p:nvPr/>
+        </p:nvSpPr>
+        <p:spPr>
+          <a:xfrm>
+            <a:off x="323528" y="2925770"/>
+            <a:ext cx="1152128" cy="510076"/>
+          </a:xfrm>
+          <a:prstGeom prst="roundRect">
+            <a:avLst>
+              <a:gd name="adj" fmla="val 8828"/>
+            </a:avLst>
+          </a:prstGeom>
+        </p:spPr>
+        <p:style>
+          <a:lnRef idx="2">
+            <a:schemeClr val="dk1"/>
+          </a:lnRef>
+          <a:fillRef idx="1">
+            <a:schemeClr val="lt1"/>
+          </a:fillRef>
+          <a:effectRef idx="0">
+            <a:schemeClr val="dk1"/>
+          </a:effectRef>
+          <a:fontRef idx="minor">
+            <a:schemeClr val="dk1"/>
+          </a:fontRef>
+        </p:style>
+        <p:txBody>
+          <a:bodyPr rtlCol="0" anchor="ctr"/>
+          <a:lstStyle/>
+          <a:p>
+            <a:pPr algn="ctr"/>
+            <a:r>
+              <a:rPr lang="en-US" altLang="ko-KR" sz="1200" dirty="0" smtClean="0"/>
+              <a:t>Class </a:t>
+            </a:r>
+            <a:r>
+              <a:rPr lang="en-US" altLang="ko-KR" sz="1200" dirty="0" err="1" smtClean="0"/>
+              <a:t>Datas</a:t>
+            </a:r>
+            <a:endParaRPr lang="ko-KR" altLang="en-US" sz="1200" dirty="0"/>
+          </a:p>
+        </p:txBody>
+      </p:sp>
+      <p:sp>
+        <p:nvSpPr>
+          <p:cNvPr id="19" name="사각형: 둥근 모서리 87">
+            <a:extLst>
+              <a:ext uri="{FF2B5EF4-FFF2-40B4-BE49-F238E27FC236}">
+                <a16:creationId xmlns:a16="http://schemas.microsoft.com/office/drawing/2014/main" xmlns="" id="{103D79A6-654B-4023-B3CC-3A17D3A14472}"/>
+              </a:ext>
+            </a:extLst>
+          </p:cNvPr>
+          <p:cNvSpPr/>
+          <p:nvPr/>
+        </p:nvSpPr>
+        <p:spPr>
+          <a:xfrm>
+            <a:off x="1763688" y="1857691"/>
+            <a:ext cx="1440160" cy="2370243"/>
+          </a:xfrm>
+          <a:prstGeom prst="roundRect">
+            <a:avLst>
+              <a:gd name="adj" fmla="val 4322"/>
+            </a:avLst>
+          </a:prstGeom>
+        </p:spPr>
+        <p:style>
+          <a:lnRef idx="2">
+            <a:schemeClr val="dk1"/>
+          </a:lnRef>
+          <a:fillRef idx="1">
+            <a:schemeClr val="lt1"/>
+          </a:fillRef>
+          <a:effectRef idx="0">
+            <a:schemeClr val="dk1"/>
+          </a:effectRef>
+          <a:fontRef idx="minor">
+            <a:schemeClr val="dk1"/>
+          </a:fontRef>
+        </p:style>
+        <p:txBody>
+          <a:bodyPr rtlCol="0" anchor="t"/>
+          <a:lstStyle/>
+          <a:p>
+            <a:pPr algn="ctr"/>
+            <a:r>
+              <a:rPr lang="en-US" altLang="ko-KR" sz="1200" b="1" dirty="0" smtClean="0"/>
+              <a:t>Heap</a:t>
+            </a:r>
+            <a:endParaRPr lang="ko-KR" altLang="en-US" sz="1200" b="1" dirty="0"/>
+          </a:p>
+        </p:txBody>
+      </p:sp>
+      <p:sp>
+        <p:nvSpPr>
+          <p:cNvPr id="20" name="사각형: 둥근 모서리 88">
+            <a:extLst>
+              <a:ext uri="{FF2B5EF4-FFF2-40B4-BE49-F238E27FC236}">
+                <a16:creationId xmlns:a16="http://schemas.microsoft.com/office/drawing/2014/main" xmlns="" id="{DDF6AEC1-72AC-4AC7-93E1-5C2AD9C83F93}"/>
+              </a:ext>
+            </a:extLst>
+          </p:cNvPr>
+          <p:cNvSpPr/>
+          <p:nvPr/>
+        </p:nvSpPr>
+        <p:spPr>
+          <a:xfrm>
+            <a:off x="1907704" y="2925770"/>
+            <a:ext cx="1152128" cy="510076"/>
+          </a:xfrm>
+          <a:prstGeom prst="roundRect">
+            <a:avLst>
+              <a:gd name="adj" fmla="val 8828"/>
+            </a:avLst>
+          </a:prstGeom>
+        </p:spPr>
+        <p:style>
+          <a:lnRef idx="2">
+            <a:schemeClr val="dk1"/>
+          </a:lnRef>
+          <a:fillRef idx="1">
+            <a:schemeClr val="lt1"/>
+          </a:fillRef>
+          <a:effectRef idx="0">
+            <a:schemeClr val="dk1"/>
+          </a:effectRef>
+          <a:fontRef idx="minor">
+            <a:schemeClr val="dk1"/>
+          </a:fontRef>
+        </p:style>
+        <p:txBody>
+          <a:bodyPr rtlCol="0" anchor="ctr"/>
+          <a:lstStyle/>
+          <a:p>
+            <a:pPr algn="ctr"/>
+            <a:r>
+              <a:rPr lang="en-US" altLang="ko-KR" sz="1200" dirty="0" smtClean="0"/>
+              <a:t>Objects</a:t>
+            </a:r>
+            <a:endParaRPr lang="ko-KR" altLang="en-US" sz="1200" dirty="0"/>
+          </a:p>
+        </p:txBody>
+      </p:sp>
+      <p:sp>
+        <p:nvSpPr>
+          <p:cNvPr id="25" name="사각형: 둥근 모서리 87">
+            <a:extLst>
+              <a:ext uri="{FF2B5EF4-FFF2-40B4-BE49-F238E27FC236}">
+                <a16:creationId xmlns:a16="http://schemas.microsoft.com/office/drawing/2014/main" xmlns="" id="{103D79A6-654B-4023-B3CC-3A17D3A14472}"/>
+              </a:ext>
+            </a:extLst>
+          </p:cNvPr>
+          <p:cNvSpPr/>
+          <p:nvPr/>
+        </p:nvSpPr>
+        <p:spPr>
+          <a:xfrm>
+            <a:off x="3347864" y="1857691"/>
+            <a:ext cx="1440160" cy="2370243"/>
+          </a:xfrm>
+          <a:prstGeom prst="roundRect">
+            <a:avLst>
+              <a:gd name="adj" fmla="val 4322"/>
+            </a:avLst>
+          </a:prstGeom>
+        </p:spPr>
+        <p:style>
+          <a:lnRef idx="2">
+            <a:schemeClr val="dk1"/>
+          </a:lnRef>
+          <a:fillRef idx="1">
+            <a:schemeClr val="lt1"/>
+          </a:fillRef>
+          <a:effectRef idx="0">
+            <a:schemeClr val="dk1"/>
+          </a:effectRef>
+          <a:fontRef idx="minor">
+            <a:schemeClr val="dk1"/>
+          </a:fontRef>
+        </p:style>
+        <p:txBody>
+          <a:bodyPr rtlCol="0" anchor="t"/>
+          <a:lstStyle/>
+          <a:p>
+            <a:pPr algn="ctr"/>
+            <a:r>
+              <a:rPr lang="en-US" altLang="ko-KR" sz="1200" b="1" dirty="0" smtClean="0"/>
+              <a:t>PC Register</a:t>
+            </a:r>
+            <a:endParaRPr lang="ko-KR" altLang="en-US" sz="1200" b="1" dirty="0"/>
+          </a:p>
+        </p:txBody>
+      </p:sp>
+      <p:sp>
+        <p:nvSpPr>
+          <p:cNvPr id="26" name="사각형: 둥근 모서리 88">
+            <a:extLst>
+              <a:ext uri="{FF2B5EF4-FFF2-40B4-BE49-F238E27FC236}">
+                <a16:creationId xmlns:a16="http://schemas.microsoft.com/office/drawing/2014/main" xmlns="" id="{DDF6AEC1-72AC-4AC7-93E1-5C2AD9C83F93}"/>
+              </a:ext>
+            </a:extLst>
+          </p:cNvPr>
+          <p:cNvSpPr/>
+          <p:nvPr/>
+        </p:nvSpPr>
+        <p:spPr>
+          <a:xfrm>
+            <a:off x="3491880" y="2925770"/>
+            <a:ext cx="1152128" cy="510076"/>
+          </a:xfrm>
+          <a:prstGeom prst="roundRect">
+            <a:avLst>
+              <a:gd name="adj" fmla="val 8828"/>
+            </a:avLst>
+          </a:prstGeom>
+        </p:spPr>
+        <p:style>
+          <a:lnRef idx="2">
+            <a:schemeClr val="dk1"/>
+          </a:lnRef>
+          <a:fillRef idx="1">
+            <a:schemeClr val="lt1"/>
+          </a:fillRef>
+          <a:effectRef idx="0">
+            <a:schemeClr val="dk1"/>
+          </a:effectRef>
+          <a:fontRef idx="minor">
+            <a:schemeClr val="dk1"/>
+          </a:fontRef>
+        </p:style>
+        <p:txBody>
+          <a:bodyPr rtlCol="0" anchor="ctr"/>
+          <a:lstStyle/>
+          <a:p>
+            <a:pPr algn="ctr"/>
+            <a:r>
+              <a:rPr lang="en-US" altLang="ko-KR" sz="1200" dirty="0" smtClean="0"/>
+              <a:t>Thread B</a:t>
+            </a:r>
+            <a:endParaRPr lang="ko-KR" altLang="en-US" sz="1200" dirty="0"/>
+          </a:p>
+        </p:txBody>
+      </p:sp>
+      <p:sp>
+        <p:nvSpPr>
+          <p:cNvPr id="29" name="사각형: 둥근 모서리 88">
+            <a:extLst>
+              <a:ext uri="{FF2B5EF4-FFF2-40B4-BE49-F238E27FC236}">
+                <a16:creationId xmlns:a16="http://schemas.microsoft.com/office/drawing/2014/main" xmlns="" id="{DDF6AEC1-72AC-4AC7-93E1-5C2AD9C83F93}"/>
+              </a:ext>
+            </a:extLst>
+          </p:cNvPr>
+          <p:cNvSpPr/>
+          <p:nvPr/>
+        </p:nvSpPr>
+        <p:spPr>
+          <a:xfrm>
+            <a:off x="3491880" y="2277698"/>
+            <a:ext cx="1152128" cy="510076"/>
+          </a:xfrm>
+          <a:prstGeom prst="roundRect">
+            <a:avLst>
+              <a:gd name="adj" fmla="val 8828"/>
+            </a:avLst>
+          </a:prstGeom>
+        </p:spPr>
+        <p:style>
+          <a:lnRef idx="2">
+            <a:schemeClr val="dk1"/>
+          </a:lnRef>
+          <a:fillRef idx="1">
+            <a:schemeClr val="lt1"/>
+          </a:fillRef>
+          <a:effectRef idx="0">
+            <a:schemeClr val="dk1"/>
+          </a:effectRef>
+          <a:fontRef idx="minor">
+            <a:schemeClr val="dk1"/>
+          </a:fontRef>
+        </p:style>
+        <p:txBody>
+          <a:bodyPr rtlCol="0" anchor="ctr"/>
+          <a:lstStyle/>
+          <a:p>
+            <a:pPr algn="ctr"/>
+            <a:r>
+              <a:rPr lang="en-US" altLang="ko-KR" sz="1200" dirty="0" smtClean="0"/>
+              <a:t>Thread A</a:t>
+            </a:r>
+            <a:endParaRPr lang="ko-KR" altLang="en-US" sz="1200" dirty="0"/>
+          </a:p>
+        </p:txBody>
+      </p:sp>
+      <p:sp>
+        <p:nvSpPr>
+          <p:cNvPr id="30" name="사각형: 둥근 모서리 88">
+            <a:extLst>
+              <a:ext uri="{FF2B5EF4-FFF2-40B4-BE49-F238E27FC236}">
+                <a16:creationId xmlns:a16="http://schemas.microsoft.com/office/drawing/2014/main" xmlns="" id="{DDF6AEC1-72AC-4AC7-93E1-5C2AD9C83F93}"/>
+              </a:ext>
+            </a:extLst>
+          </p:cNvPr>
+          <p:cNvSpPr/>
+          <p:nvPr/>
+        </p:nvSpPr>
+        <p:spPr>
+          <a:xfrm>
+            <a:off x="3491880" y="3579862"/>
+            <a:ext cx="1152128" cy="510076"/>
+          </a:xfrm>
+          <a:prstGeom prst="roundRect">
+            <a:avLst>
+              <a:gd name="adj" fmla="val 8828"/>
+            </a:avLst>
+          </a:prstGeom>
+        </p:spPr>
+        <p:style>
+          <a:lnRef idx="2">
+            <a:schemeClr val="dk1"/>
+          </a:lnRef>
+          <a:fillRef idx="1">
+            <a:schemeClr val="lt1"/>
+          </a:fillRef>
+          <a:effectRef idx="0">
+            <a:schemeClr val="dk1"/>
+          </a:effectRef>
+          <a:fontRef idx="minor">
+            <a:schemeClr val="dk1"/>
+          </a:fontRef>
+        </p:style>
+        <p:txBody>
+          <a:bodyPr rtlCol="0" anchor="ctr"/>
+          <a:lstStyle/>
+          <a:p>
+            <a:pPr algn="ctr"/>
+            <a:r>
+              <a:rPr lang="en-US" altLang="ko-KR" sz="1200" dirty="0" smtClean="0"/>
+              <a:t>Thread C</a:t>
+            </a:r>
+            <a:endParaRPr lang="ko-KR" altLang="en-US" sz="1200" dirty="0"/>
+          </a:p>
+        </p:txBody>
+      </p:sp>
+      <p:sp>
+        <p:nvSpPr>
+          <p:cNvPr id="34" name="사각형: 둥근 모서리 87">
+            <a:extLst>
+              <a:ext uri="{FF2B5EF4-FFF2-40B4-BE49-F238E27FC236}">
+                <a16:creationId xmlns:a16="http://schemas.microsoft.com/office/drawing/2014/main" xmlns="" id="{103D79A6-654B-4023-B3CC-3A17D3A14472}"/>
+              </a:ext>
+            </a:extLst>
+          </p:cNvPr>
+          <p:cNvSpPr/>
+          <p:nvPr/>
+        </p:nvSpPr>
+        <p:spPr>
+          <a:xfrm>
+            <a:off x="4932040" y="1857691"/>
+            <a:ext cx="2736304" cy="2370243"/>
+          </a:xfrm>
+          <a:prstGeom prst="roundRect">
+            <a:avLst>
+              <a:gd name="adj" fmla="val 4322"/>
+            </a:avLst>
+          </a:prstGeom>
+        </p:spPr>
+        <p:style>
+          <a:lnRef idx="2">
+            <a:schemeClr val="dk1"/>
+          </a:lnRef>
+          <a:fillRef idx="1">
+            <a:schemeClr val="lt1"/>
+          </a:fillRef>
+          <a:effectRef idx="0">
+            <a:schemeClr val="dk1"/>
+          </a:effectRef>
+          <a:fontRef idx="minor">
+            <a:schemeClr val="dk1"/>
+          </a:fontRef>
+        </p:style>
+        <p:txBody>
+          <a:bodyPr rtlCol="0" anchor="t"/>
+          <a:lstStyle/>
+          <a:p>
+            <a:pPr algn="ctr"/>
+            <a:r>
+              <a:rPr lang="en-US" altLang="ko-KR" sz="1200" b="1" dirty="0" smtClean="0"/>
+              <a:t>Stack</a:t>
+            </a:r>
+            <a:endParaRPr lang="ko-KR" altLang="en-US" sz="1200" b="1" dirty="0"/>
+          </a:p>
+        </p:txBody>
+      </p:sp>
+      <p:sp>
+        <p:nvSpPr>
+          <p:cNvPr id="36" name="사각형: 둥근 모서리 87">
+            <a:extLst>
+              <a:ext uri="{FF2B5EF4-FFF2-40B4-BE49-F238E27FC236}">
+                <a16:creationId xmlns:a16="http://schemas.microsoft.com/office/drawing/2014/main" xmlns="" id="{103D79A6-654B-4023-B3CC-3A17D3A14472}"/>
+              </a:ext>
+            </a:extLst>
+          </p:cNvPr>
+          <p:cNvSpPr/>
+          <p:nvPr/>
+        </p:nvSpPr>
+        <p:spPr>
+          <a:xfrm>
+            <a:off x="7812360" y="1857691"/>
+            <a:ext cx="1224136" cy="2370243"/>
+          </a:xfrm>
+          <a:prstGeom prst="roundRect">
+            <a:avLst>
+              <a:gd name="adj" fmla="val 4322"/>
+            </a:avLst>
+          </a:prstGeom>
+        </p:spPr>
+        <p:style>
+          <a:lnRef idx="2">
+            <a:schemeClr val="dk1"/>
+          </a:lnRef>
+          <a:fillRef idx="1">
+            <a:schemeClr val="lt1"/>
+          </a:fillRef>
+          <a:effectRef idx="0">
+            <a:schemeClr val="dk1"/>
+          </a:effectRef>
+          <a:fontRef idx="minor">
+            <a:schemeClr val="dk1"/>
+          </a:fontRef>
+        </p:style>
+        <p:txBody>
+          <a:bodyPr rtlCol="0" anchor="t"/>
+          <a:lstStyle/>
+          <a:p>
+            <a:pPr algn="ctr"/>
+            <a:r>
+              <a:rPr lang="en-US" altLang="ko-KR" sz="1200" b="1" dirty="0" smtClean="0"/>
+              <a:t>Native</a:t>
+            </a:r>
+          </a:p>
+          <a:p>
+            <a:pPr algn="ctr"/>
+            <a:r>
+              <a:rPr lang="en-US" altLang="ko-KR" sz="1200" b="1" dirty="0" smtClean="0"/>
+              <a:t>Method</a:t>
+            </a:r>
+          </a:p>
+          <a:p>
+            <a:pPr algn="ctr"/>
+            <a:r>
+              <a:rPr lang="en-US" altLang="ko-KR" sz="1200" b="1" dirty="0" smtClean="0"/>
+              <a:t>Stack</a:t>
+            </a:r>
+            <a:endParaRPr lang="ko-KR" altLang="en-US" sz="1200" b="1" dirty="0"/>
+          </a:p>
+        </p:txBody>
+      </p:sp>
+      <p:sp>
+        <p:nvSpPr>
+          <p:cNvPr id="37" name="사각형: 둥근 모서리 88">
+            <a:extLst>
+              <a:ext uri="{FF2B5EF4-FFF2-40B4-BE49-F238E27FC236}">
+                <a16:creationId xmlns:a16="http://schemas.microsoft.com/office/drawing/2014/main" xmlns="" id="{DDF6AEC1-72AC-4AC7-93E1-5C2AD9C83F93}"/>
+              </a:ext>
+            </a:extLst>
+          </p:cNvPr>
+          <p:cNvSpPr/>
+          <p:nvPr/>
+        </p:nvSpPr>
+        <p:spPr>
+          <a:xfrm>
+            <a:off x="7956376" y="2923684"/>
+            <a:ext cx="936104" cy="1166254"/>
+          </a:xfrm>
+          <a:prstGeom prst="roundRect">
+            <a:avLst>
+              <a:gd name="adj" fmla="val 5931"/>
+            </a:avLst>
+          </a:prstGeom>
+        </p:spPr>
+        <p:style>
+          <a:lnRef idx="2">
+            <a:schemeClr val="dk1"/>
+          </a:lnRef>
+          <a:fillRef idx="1">
+            <a:schemeClr val="lt1"/>
+          </a:fillRef>
+          <a:effectRef idx="0">
+            <a:schemeClr val="dk1"/>
+          </a:effectRef>
+          <a:fontRef idx="minor">
+            <a:schemeClr val="dk1"/>
+          </a:fontRef>
+        </p:style>
+        <p:txBody>
+          <a:bodyPr rtlCol="0" anchor="ctr"/>
+          <a:lstStyle/>
+          <a:p>
+            <a:pPr algn="ctr"/>
+            <a:endParaRPr lang="ko-KR" altLang="en-US" sz="1200" dirty="0"/>
+          </a:p>
+        </p:txBody>
+      </p:sp>
+      <p:cxnSp>
+        <p:nvCxnSpPr>
+          <p:cNvPr id="43" name="직선 연결선 42">
+            <a:extLst>
+              <a:ext uri="{FF2B5EF4-FFF2-40B4-BE49-F238E27FC236}">
+                <a16:creationId xmlns:a16="http://schemas.microsoft.com/office/drawing/2014/main" xmlns="" id="{A99299D2-4ABB-4DDA-BDE7-BA71B9F61E42}"/>
+              </a:ext>
+            </a:extLst>
+          </p:cNvPr>
+          <p:cNvCxnSpPr>
+            <a:cxnSpLocks/>
+          </p:cNvCxnSpPr>
+          <p:nvPr/>
+        </p:nvCxnSpPr>
+        <p:spPr>
+          <a:xfrm flipV="1">
+            <a:off x="5828100" y="2211710"/>
+            <a:ext cx="0" cy="1944217"/>
+          </a:xfrm>
+          <a:prstGeom prst="line">
+            <a:avLst/>
+          </a:prstGeom>
+          <a:ln w="38100">
+            <a:solidFill>
+              <a:schemeClr val="tx1"/>
+            </a:solidFill>
+            <a:prstDash val="dash"/>
+          </a:ln>
+        </p:spPr>
+        <p:style>
+          <a:lnRef idx="1">
+            <a:schemeClr val="accent1"/>
+          </a:lnRef>
+          <a:fillRef idx="0">
+            <a:schemeClr val="accent1"/>
+          </a:fillRef>
+          <a:effectRef idx="0">
+            <a:schemeClr val="accent1"/>
+          </a:effectRef>
+          <a:fontRef idx="minor">
+            <a:schemeClr val="tx1"/>
+          </a:fontRef>
+        </p:style>
+      </p:cxnSp>
+      <p:sp>
+        <p:nvSpPr>
+          <p:cNvPr id="44" name="사각형: 둥근 모서리 54">
+            <a:extLst>
+              <a:ext uri="{FF2B5EF4-FFF2-40B4-BE49-F238E27FC236}">
+                <a16:creationId xmlns:a16="http://schemas.microsoft.com/office/drawing/2014/main" xmlns="" id="{54191E13-9C02-445B-A0E9-860191A5017D}"/>
+              </a:ext>
+            </a:extLst>
+          </p:cNvPr>
+          <p:cNvSpPr/>
+          <p:nvPr/>
+        </p:nvSpPr>
+        <p:spPr>
+          <a:xfrm>
+            <a:off x="7920372" y="2580510"/>
+            <a:ext cx="1008112" cy="390948"/>
+          </a:xfrm>
+          <a:prstGeom prst="roundRect">
+            <a:avLst>
+              <a:gd name="adj" fmla="val 8828"/>
+            </a:avLst>
+          </a:prstGeom>
+          <a:noFill/>
+          <a:ln>
+            <a:noFill/>
+          </a:ln>
+        </p:spPr>
+        <p:style>
+          <a:lnRef idx="2">
+            <a:schemeClr val="dk1"/>
+          </a:lnRef>
+          <a:fillRef idx="1">
+            <a:schemeClr val="lt1"/>
+          </a:fillRef>
+          <a:effectRef idx="0">
+            <a:schemeClr val="dk1"/>
+          </a:effectRef>
+          <a:fontRef idx="minor">
+            <a:schemeClr val="dk1"/>
+          </a:fontRef>
+        </p:style>
+        <p:txBody>
+          <a:bodyPr rtlCol="0" anchor="ctr"/>
+          <a:lstStyle/>
+          <a:p>
+            <a:pPr algn="ctr"/>
+            <a:r>
+              <a:rPr lang="en-US" altLang="ko-KR" sz="1100" dirty="0" smtClean="0"/>
+              <a:t>Thread C</a:t>
+            </a:r>
+            <a:endParaRPr lang="ko-KR" altLang="en-US" sz="1100" dirty="0"/>
+          </a:p>
+        </p:txBody>
+      </p:sp>
+      <p:sp>
+        <p:nvSpPr>
+          <p:cNvPr id="48" name="사각형: 둥근 모서리 88">
+            <a:extLst>
+              <a:ext uri="{FF2B5EF4-FFF2-40B4-BE49-F238E27FC236}">
+                <a16:creationId xmlns:a16="http://schemas.microsoft.com/office/drawing/2014/main" xmlns="" id="{DDF6AEC1-72AC-4AC7-93E1-5C2AD9C83F93}"/>
+              </a:ext>
+            </a:extLst>
+          </p:cNvPr>
+          <p:cNvSpPr/>
+          <p:nvPr/>
+        </p:nvSpPr>
+        <p:spPr>
+          <a:xfrm>
+            <a:off x="5959700" y="2617387"/>
+            <a:ext cx="680984" cy="425425"/>
+          </a:xfrm>
+          <a:prstGeom prst="roundRect">
+            <a:avLst>
+              <a:gd name="adj" fmla="val 5931"/>
+            </a:avLst>
+          </a:prstGeom>
+        </p:spPr>
+        <p:style>
+          <a:lnRef idx="2">
+            <a:schemeClr val="dk1"/>
+          </a:lnRef>
+          <a:fillRef idx="1">
+            <a:schemeClr val="lt1"/>
+          </a:fillRef>
+          <a:effectRef idx="0">
+            <a:schemeClr val="dk1"/>
+          </a:effectRef>
+          <a:fontRef idx="minor">
+            <a:schemeClr val="dk1"/>
+          </a:fontRef>
+        </p:style>
+        <p:txBody>
+          <a:bodyPr rtlCol="0" anchor="ctr"/>
+          <a:lstStyle/>
+          <a:p>
+            <a:pPr algn="ctr"/>
+            <a:r>
+              <a:rPr lang="en-US" altLang="ko-KR" sz="1050" dirty="0" smtClean="0"/>
+              <a:t>Stack</a:t>
+            </a:r>
+          </a:p>
+          <a:p>
+            <a:pPr algn="ctr"/>
+            <a:r>
+              <a:rPr lang="en-US" altLang="ko-KR" sz="1050" dirty="0"/>
+              <a:t>F</a:t>
+            </a:r>
+            <a:r>
+              <a:rPr lang="en-US" altLang="ko-KR" sz="1050" dirty="0" smtClean="0"/>
+              <a:t>rame</a:t>
+            </a:r>
+            <a:endParaRPr lang="ko-KR" altLang="en-US" sz="1050" dirty="0"/>
+          </a:p>
+        </p:txBody>
+      </p:sp>
+      <p:sp>
+        <p:nvSpPr>
+          <p:cNvPr id="49" name="사각형: 둥근 모서리 88">
+            <a:extLst>
+              <a:ext uri="{FF2B5EF4-FFF2-40B4-BE49-F238E27FC236}">
+                <a16:creationId xmlns:a16="http://schemas.microsoft.com/office/drawing/2014/main" xmlns="" id="{DDF6AEC1-72AC-4AC7-93E1-5C2AD9C83F93}"/>
+              </a:ext>
+            </a:extLst>
+          </p:cNvPr>
+          <p:cNvSpPr/>
+          <p:nvPr/>
+        </p:nvSpPr>
+        <p:spPr>
+          <a:xfrm>
+            <a:off x="5959700" y="3178042"/>
+            <a:ext cx="680984" cy="425425"/>
+          </a:xfrm>
+          <a:prstGeom prst="roundRect">
+            <a:avLst>
+              <a:gd name="adj" fmla="val 5931"/>
+            </a:avLst>
+          </a:prstGeom>
+        </p:spPr>
+        <p:style>
+          <a:lnRef idx="2">
+            <a:schemeClr val="dk1"/>
+          </a:lnRef>
+          <a:fillRef idx="1">
+            <a:schemeClr val="lt1"/>
+          </a:fillRef>
+          <a:effectRef idx="0">
+            <a:schemeClr val="dk1"/>
+          </a:effectRef>
+          <a:fontRef idx="minor">
+            <a:schemeClr val="dk1"/>
+          </a:fontRef>
+        </p:style>
+        <p:txBody>
+          <a:bodyPr rtlCol="0" anchor="ctr"/>
+          <a:lstStyle/>
+          <a:p>
+            <a:pPr algn="ctr"/>
+            <a:r>
+              <a:rPr lang="en-US" altLang="ko-KR" sz="1050" dirty="0" smtClean="0"/>
+              <a:t>Stack</a:t>
+            </a:r>
+          </a:p>
+          <a:p>
+            <a:pPr algn="ctr"/>
+            <a:r>
+              <a:rPr lang="en-US" altLang="ko-KR" sz="1050" dirty="0"/>
+              <a:t>F</a:t>
+            </a:r>
+            <a:r>
+              <a:rPr lang="en-US" altLang="ko-KR" sz="1050" dirty="0" smtClean="0"/>
+              <a:t>rame</a:t>
+            </a:r>
+            <a:endParaRPr lang="ko-KR" altLang="en-US" sz="1050" dirty="0"/>
+          </a:p>
+        </p:txBody>
+      </p:sp>
+      <p:sp>
+        <p:nvSpPr>
+          <p:cNvPr id="51" name="사각형: 둥근 모서리 88">
+            <a:extLst>
+              <a:ext uri="{FF2B5EF4-FFF2-40B4-BE49-F238E27FC236}">
+                <a16:creationId xmlns:a16="http://schemas.microsoft.com/office/drawing/2014/main" xmlns="" id="{DDF6AEC1-72AC-4AC7-93E1-5C2AD9C83F93}"/>
+              </a:ext>
+            </a:extLst>
+          </p:cNvPr>
+          <p:cNvSpPr/>
+          <p:nvPr/>
+        </p:nvSpPr>
+        <p:spPr>
+          <a:xfrm>
+            <a:off x="5004048" y="2617387"/>
+            <a:ext cx="680984" cy="425425"/>
+          </a:xfrm>
+          <a:prstGeom prst="roundRect">
+            <a:avLst>
+              <a:gd name="adj" fmla="val 5931"/>
+            </a:avLst>
+          </a:prstGeom>
+        </p:spPr>
+        <p:style>
+          <a:lnRef idx="2">
+            <a:schemeClr val="dk1"/>
+          </a:lnRef>
+          <a:fillRef idx="1">
+            <a:schemeClr val="lt1"/>
+          </a:fillRef>
+          <a:effectRef idx="0">
+            <a:schemeClr val="dk1"/>
+          </a:effectRef>
+          <a:fontRef idx="minor">
+            <a:schemeClr val="dk1"/>
+          </a:fontRef>
+        </p:style>
+        <p:txBody>
+          <a:bodyPr rtlCol="0" anchor="ctr"/>
+          <a:lstStyle/>
+          <a:p>
+            <a:pPr algn="ctr"/>
+            <a:r>
+              <a:rPr lang="en-US" altLang="ko-KR" sz="1050" dirty="0" smtClean="0"/>
+              <a:t>Stack</a:t>
+            </a:r>
+          </a:p>
+          <a:p>
+            <a:pPr algn="ctr"/>
+            <a:r>
+              <a:rPr lang="en-US" altLang="ko-KR" sz="1050" dirty="0"/>
+              <a:t>F</a:t>
+            </a:r>
+            <a:r>
+              <a:rPr lang="en-US" altLang="ko-KR" sz="1050" dirty="0" smtClean="0"/>
+              <a:t>rame</a:t>
+            </a:r>
+            <a:endParaRPr lang="ko-KR" altLang="en-US" sz="1050" dirty="0"/>
+          </a:p>
+        </p:txBody>
+      </p:sp>
+      <p:sp>
+        <p:nvSpPr>
+          <p:cNvPr id="52" name="사각형: 둥근 모서리 88">
+            <a:extLst>
+              <a:ext uri="{FF2B5EF4-FFF2-40B4-BE49-F238E27FC236}">
+                <a16:creationId xmlns:a16="http://schemas.microsoft.com/office/drawing/2014/main" xmlns="" id="{DDF6AEC1-72AC-4AC7-93E1-5C2AD9C83F93}"/>
+              </a:ext>
+            </a:extLst>
+          </p:cNvPr>
+          <p:cNvSpPr/>
+          <p:nvPr/>
+        </p:nvSpPr>
+        <p:spPr>
+          <a:xfrm>
+            <a:off x="5004048" y="3178042"/>
+            <a:ext cx="680984" cy="425425"/>
+          </a:xfrm>
+          <a:prstGeom prst="roundRect">
+            <a:avLst>
+              <a:gd name="adj" fmla="val 5931"/>
+            </a:avLst>
+          </a:prstGeom>
+        </p:spPr>
+        <p:style>
+          <a:lnRef idx="2">
+            <a:schemeClr val="dk1"/>
+          </a:lnRef>
+          <a:fillRef idx="1">
+            <a:schemeClr val="lt1"/>
+          </a:fillRef>
+          <a:effectRef idx="0">
+            <a:schemeClr val="dk1"/>
+          </a:effectRef>
+          <a:fontRef idx="minor">
+            <a:schemeClr val="dk1"/>
+          </a:fontRef>
+        </p:style>
+        <p:txBody>
+          <a:bodyPr rtlCol="0" anchor="ctr"/>
+          <a:lstStyle/>
+          <a:p>
+            <a:pPr algn="ctr"/>
+            <a:r>
+              <a:rPr lang="en-US" altLang="ko-KR" sz="1050" dirty="0" smtClean="0"/>
+              <a:t>Stack</a:t>
+            </a:r>
+          </a:p>
+          <a:p>
+            <a:pPr algn="ctr"/>
+            <a:r>
+              <a:rPr lang="en-US" altLang="ko-KR" sz="1050" dirty="0"/>
+              <a:t>F</a:t>
+            </a:r>
+            <a:r>
+              <a:rPr lang="en-US" altLang="ko-KR" sz="1050" dirty="0" smtClean="0"/>
+              <a:t>rame</a:t>
+            </a:r>
+            <a:endParaRPr lang="ko-KR" altLang="en-US" sz="1050" dirty="0"/>
+          </a:p>
+        </p:txBody>
+      </p:sp>
+      <p:sp>
+        <p:nvSpPr>
+          <p:cNvPr id="54" name="사각형: 둥근 모서리 88">
+            <a:extLst>
+              <a:ext uri="{FF2B5EF4-FFF2-40B4-BE49-F238E27FC236}">
+                <a16:creationId xmlns:a16="http://schemas.microsoft.com/office/drawing/2014/main" xmlns="" id="{DDF6AEC1-72AC-4AC7-93E1-5C2AD9C83F93}"/>
+              </a:ext>
+            </a:extLst>
+          </p:cNvPr>
+          <p:cNvSpPr/>
+          <p:nvPr/>
+        </p:nvSpPr>
+        <p:spPr>
+          <a:xfrm>
+            <a:off x="5004048" y="3730502"/>
+            <a:ext cx="680984" cy="425425"/>
+          </a:xfrm>
+          <a:prstGeom prst="roundRect">
+            <a:avLst>
+              <a:gd name="adj" fmla="val 5931"/>
+            </a:avLst>
+          </a:prstGeom>
+        </p:spPr>
+        <p:style>
+          <a:lnRef idx="2">
+            <a:schemeClr val="dk1"/>
+          </a:lnRef>
+          <a:fillRef idx="1">
+            <a:schemeClr val="lt1"/>
+          </a:fillRef>
+          <a:effectRef idx="0">
+            <a:schemeClr val="dk1"/>
+          </a:effectRef>
+          <a:fontRef idx="minor">
+            <a:schemeClr val="dk1"/>
+          </a:fontRef>
+        </p:style>
+        <p:txBody>
+          <a:bodyPr rtlCol="0" anchor="ctr"/>
+          <a:lstStyle/>
+          <a:p>
+            <a:pPr algn="ctr"/>
+            <a:r>
+              <a:rPr lang="en-US" altLang="ko-KR" sz="1050" dirty="0" smtClean="0"/>
+              <a:t>Stack</a:t>
+            </a:r>
+          </a:p>
+          <a:p>
+            <a:pPr algn="ctr"/>
+            <a:r>
+              <a:rPr lang="en-US" altLang="ko-KR" sz="1050" dirty="0"/>
+              <a:t>F</a:t>
+            </a:r>
+            <a:r>
+              <a:rPr lang="en-US" altLang="ko-KR" sz="1050" dirty="0" smtClean="0"/>
+              <a:t>rame</a:t>
+            </a:r>
+            <a:endParaRPr lang="ko-KR" altLang="en-US" sz="1050" dirty="0"/>
+          </a:p>
+        </p:txBody>
+      </p:sp>
+      <p:sp>
+        <p:nvSpPr>
+          <p:cNvPr id="56" name="사각형: 둥근 모서리 88">
+            <a:extLst>
+              <a:ext uri="{FF2B5EF4-FFF2-40B4-BE49-F238E27FC236}">
+                <a16:creationId xmlns:a16="http://schemas.microsoft.com/office/drawing/2014/main" xmlns="" id="{DDF6AEC1-72AC-4AC7-93E1-5C2AD9C83F93}"/>
+              </a:ext>
+            </a:extLst>
+          </p:cNvPr>
+          <p:cNvSpPr/>
+          <p:nvPr/>
+        </p:nvSpPr>
+        <p:spPr>
+          <a:xfrm>
+            <a:off x="6876256" y="2617387"/>
+            <a:ext cx="680984" cy="425425"/>
+          </a:xfrm>
+          <a:prstGeom prst="roundRect">
+            <a:avLst>
+              <a:gd name="adj" fmla="val 5931"/>
+            </a:avLst>
+          </a:prstGeom>
+        </p:spPr>
+        <p:style>
+          <a:lnRef idx="2">
+            <a:schemeClr val="dk1"/>
+          </a:lnRef>
+          <a:fillRef idx="1">
+            <a:schemeClr val="lt1"/>
+          </a:fillRef>
+          <a:effectRef idx="0">
+            <a:schemeClr val="dk1"/>
+          </a:effectRef>
+          <a:fontRef idx="minor">
+            <a:schemeClr val="dk1"/>
+          </a:fontRef>
+        </p:style>
+        <p:txBody>
+          <a:bodyPr rtlCol="0" anchor="ctr"/>
+          <a:lstStyle/>
+          <a:p>
+            <a:pPr algn="ctr"/>
+            <a:r>
+              <a:rPr lang="en-US" altLang="ko-KR" sz="1050" dirty="0" smtClean="0"/>
+              <a:t>Stack</a:t>
+            </a:r>
+          </a:p>
+          <a:p>
+            <a:pPr algn="ctr"/>
+            <a:r>
+              <a:rPr lang="en-US" altLang="ko-KR" sz="1050" dirty="0"/>
+              <a:t>F</a:t>
+            </a:r>
+            <a:r>
+              <a:rPr lang="en-US" altLang="ko-KR" sz="1050" dirty="0" smtClean="0"/>
+              <a:t>rame</a:t>
+            </a:r>
+            <a:endParaRPr lang="ko-KR" altLang="en-US" sz="1050" dirty="0"/>
+          </a:p>
+        </p:txBody>
+      </p:sp>
+      <p:sp>
+        <p:nvSpPr>
+          <p:cNvPr id="57" name="사각형: 둥근 모서리 88">
+            <a:extLst>
+              <a:ext uri="{FF2B5EF4-FFF2-40B4-BE49-F238E27FC236}">
+                <a16:creationId xmlns:a16="http://schemas.microsoft.com/office/drawing/2014/main" xmlns="" id="{DDF6AEC1-72AC-4AC7-93E1-5C2AD9C83F93}"/>
+              </a:ext>
+            </a:extLst>
+          </p:cNvPr>
+          <p:cNvSpPr/>
+          <p:nvPr/>
+        </p:nvSpPr>
+        <p:spPr>
+          <a:xfrm>
+            <a:off x="6876256" y="3178042"/>
+            <a:ext cx="680984" cy="425425"/>
+          </a:xfrm>
+          <a:prstGeom prst="roundRect">
+            <a:avLst>
+              <a:gd name="adj" fmla="val 5931"/>
+            </a:avLst>
+          </a:prstGeom>
+        </p:spPr>
+        <p:style>
+          <a:lnRef idx="2">
+            <a:schemeClr val="dk1"/>
+          </a:lnRef>
+          <a:fillRef idx="1">
+            <a:schemeClr val="lt1"/>
+          </a:fillRef>
+          <a:effectRef idx="0">
+            <a:schemeClr val="dk1"/>
+          </a:effectRef>
+          <a:fontRef idx="minor">
+            <a:schemeClr val="dk1"/>
+          </a:fontRef>
+        </p:style>
+        <p:txBody>
+          <a:bodyPr rtlCol="0" anchor="ctr"/>
+          <a:lstStyle/>
+          <a:p>
+            <a:pPr algn="ctr"/>
+            <a:r>
+              <a:rPr lang="en-US" altLang="ko-KR" sz="1050" dirty="0" smtClean="0"/>
+              <a:t>Stack</a:t>
+            </a:r>
+          </a:p>
+          <a:p>
+            <a:pPr algn="ctr"/>
+            <a:r>
+              <a:rPr lang="en-US" altLang="ko-KR" sz="1050" dirty="0"/>
+              <a:t>F</a:t>
+            </a:r>
+            <a:r>
+              <a:rPr lang="en-US" altLang="ko-KR" sz="1050" dirty="0" smtClean="0"/>
+              <a:t>rame</a:t>
+            </a:r>
+            <a:endParaRPr lang="ko-KR" altLang="en-US" sz="1050" dirty="0"/>
+          </a:p>
+        </p:txBody>
+      </p:sp>
+      <p:cxnSp>
+        <p:nvCxnSpPr>
+          <p:cNvPr id="59" name="직선 연결선 58">
+            <a:extLst>
+              <a:ext uri="{FF2B5EF4-FFF2-40B4-BE49-F238E27FC236}">
+                <a16:creationId xmlns:a16="http://schemas.microsoft.com/office/drawing/2014/main" xmlns="" id="{A99299D2-4ABB-4DDA-BDE7-BA71B9F61E42}"/>
+              </a:ext>
+            </a:extLst>
+          </p:cNvPr>
+          <p:cNvCxnSpPr>
+            <a:cxnSpLocks/>
+          </p:cNvCxnSpPr>
+          <p:nvPr/>
+        </p:nvCxnSpPr>
+        <p:spPr>
+          <a:xfrm flipV="1">
+            <a:off x="6764204" y="2211710"/>
+            <a:ext cx="0" cy="1944217"/>
+          </a:xfrm>
+          <a:prstGeom prst="line">
+            <a:avLst/>
+          </a:prstGeom>
+          <a:ln w="38100">
+            <a:solidFill>
+              <a:schemeClr val="tx1"/>
+            </a:solidFill>
+            <a:prstDash val="dash"/>
+          </a:ln>
+        </p:spPr>
+        <p:style>
+          <a:lnRef idx="1">
+            <a:schemeClr val="accent1"/>
+          </a:lnRef>
+          <a:fillRef idx="0">
+            <a:schemeClr val="accent1"/>
+          </a:fillRef>
+          <a:effectRef idx="0">
+            <a:schemeClr val="accent1"/>
+          </a:effectRef>
+          <a:fontRef idx="minor">
+            <a:schemeClr val="tx1"/>
+          </a:fontRef>
+        </p:style>
+      </p:cxnSp>
+      <p:cxnSp>
+        <p:nvCxnSpPr>
+          <p:cNvPr id="60" name="직선 화살표 연결선 59">
+            <a:extLst>
+              <a:ext uri="{FF2B5EF4-FFF2-40B4-BE49-F238E27FC236}">
+                <a16:creationId xmlns:a16="http://schemas.microsoft.com/office/drawing/2014/main" xmlns="" id="{C57CA143-10BC-4F75-BDEC-0F96FACB1144}"/>
+              </a:ext>
+            </a:extLst>
+          </p:cNvPr>
+          <p:cNvCxnSpPr>
+            <a:cxnSpLocks/>
+          </p:cNvCxnSpPr>
+          <p:nvPr/>
+        </p:nvCxnSpPr>
+        <p:spPr>
+          <a:xfrm>
+            <a:off x="5344540" y="3042813"/>
+            <a:ext cx="0" cy="135229"/>
+          </a:xfrm>
+          <a:prstGeom prst="straightConnector1">
+            <a:avLst/>
+          </a:prstGeom>
+          <a:ln w="28575">
+            <a:solidFill>
+              <a:schemeClr val="tx1"/>
+            </a:solidFill>
+            <a:headEnd type="none" w="med" len="med"/>
+            <a:tailEnd type="arrow" w="med" len="med"/>
+          </a:ln>
+        </p:spPr>
+        <p:style>
+          <a:lnRef idx="1">
+            <a:schemeClr val="accent1"/>
+          </a:lnRef>
+          <a:fillRef idx="0">
+            <a:schemeClr val="accent1"/>
+          </a:fillRef>
+          <a:effectRef idx="0">
+            <a:schemeClr val="accent1"/>
+          </a:effectRef>
+          <a:fontRef idx="minor">
+            <a:schemeClr val="tx1"/>
+          </a:fontRef>
+        </p:style>
+      </p:cxnSp>
+      <p:cxnSp>
+        <p:nvCxnSpPr>
+          <p:cNvPr id="61" name="직선 화살표 연결선 60">
+            <a:extLst>
+              <a:ext uri="{FF2B5EF4-FFF2-40B4-BE49-F238E27FC236}">
+                <a16:creationId xmlns:a16="http://schemas.microsoft.com/office/drawing/2014/main" xmlns="" id="{C57CA143-10BC-4F75-BDEC-0F96FACB1144}"/>
+              </a:ext>
+            </a:extLst>
+          </p:cNvPr>
+          <p:cNvCxnSpPr>
+            <a:cxnSpLocks/>
+            <a:stCxn id="52" idx="2"/>
+            <a:endCxn id="54" idx="0"/>
+          </p:cNvCxnSpPr>
+          <p:nvPr/>
+        </p:nvCxnSpPr>
+        <p:spPr>
+          <a:xfrm>
+            <a:off x="5344540" y="3603467"/>
+            <a:ext cx="0" cy="127035"/>
+          </a:xfrm>
+          <a:prstGeom prst="straightConnector1">
+            <a:avLst/>
+          </a:prstGeom>
+          <a:ln w="28575">
+            <a:solidFill>
+              <a:schemeClr val="tx1"/>
+            </a:solidFill>
+            <a:headEnd type="none" w="med" len="med"/>
+            <a:tailEnd type="arrow" w="med" len="med"/>
+          </a:ln>
+        </p:spPr>
+        <p:style>
+          <a:lnRef idx="1">
+            <a:schemeClr val="accent1"/>
+          </a:lnRef>
+          <a:fillRef idx="0">
+            <a:schemeClr val="accent1"/>
+          </a:fillRef>
+          <a:effectRef idx="0">
+            <a:schemeClr val="accent1"/>
+          </a:effectRef>
+          <a:fontRef idx="minor">
+            <a:schemeClr val="tx1"/>
+          </a:fontRef>
+        </p:style>
+      </p:cxnSp>
+      <p:cxnSp>
+        <p:nvCxnSpPr>
+          <p:cNvPr id="62" name="직선 화살표 연결선 61">
+            <a:extLst>
+              <a:ext uri="{FF2B5EF4-FFF2-40B4-BE49-F238E27FC236}">
+                <a16:creationId xmlns:a16="http://schemas.microsoft.com/office/drawing/2014/main" xmlns="" id="{C57CA143-10BC-4F75-BDEC-0F96FACB1144}"/>
+              </a:ext>
+            </a:extLst>
+          </p:cNvPr>
+          <p:cNvCxnSpPr>
+            <a:cxnSpLocks/>
+            <a:stCxn id="48" idx="2"/>
+            <a:endCxn id="49" idx="0"/>
+          </p:cNvCxnSpPr>
+          <p:nvPr/>
+        </p:nvCxnSpPr>
+        <p:spPr>
+          <a:xfrm>
+            <a:off x="6300192" y="3042812"/>
+            <a:ext cx="0" cy="135230"/>
+          </a:xfrm>
+          <a:prstGeom prst="straightConnector1">
+            <a:avLst/>
+          </a:prstGeom>
+          <a:ln w="28575">
+            <a:solidFill>
+              <a:schemeClr val="tx1"/>
+            </a:solidFill>
+            <a:headEnd type="none" w="med" len="med"/>
+            <a:tailEnd type="arrow" w="med" len="med"/>
+          </a:ln>
+        </p:spPr>
+        <p:style>
+          <a:lnRef idx="1">
+            <a:schemeClr val="accent1"/>
+          </a:lnRef>
+          <a:fillRef idx="0">
+            <a:schemeClr val="accent1"/>
+          </a:fillRef>
+          <a:effectRef idx="0">
+            <a:schemeClr val="accent1"/>
+          </a:effectRef>
+          <a:fontRef idx="minor">
+            <a:schemeClr val="tx1"/>
+          </a:fontRef>
+        </p:style>
+      </p:cxnSp>
+      <p:cxnSp>
+        <p:nvCxnSpPr>
+          <p:cNvPr id="63" name="직선 화살표 연결선 62">
+            <a:extLst>
+              <a:ext uri="{FF2B5EF4-FFF2-40B4-BE49-F238E27FC236}">
+                <a16:creationId xmlns:a16="http://schemas.microsoft.com/office/drawing/2014/main" xmlns="" id="{C57CA143-10BC-4F75-BDEC-0F96FACB1144}"/>
+              </a:ext>
+            </a:extLst>
+          </p:cNvPr>
+          <p:cNvCxnSpPr>
+            <a:cxnSpLocks/>
+            <a:stCxn id="56" idx="2"/>
+            <a:endCxn id="57" idx="0"/>
+          </p:cNvCxnSpPr>
+          <p:nvPr/>
+        </p:nvCxnSpPr>
+        <p:spPr>
+          <a:xfrm>
+            <a:off x="7216748" y="3042812"/>
+            <a:ext cx="0" cy="135230"/>
+          </a:xfrm>
+          <a:prstGeom prst="straightConnector1">
+            <a:avLst/>
+          </a:prstGeom>
+          <a:ln w="28575">
+            <a:solidFill>
+              <a:schemeClr val="tx1"/>
+            </a:solidFill>
+            <a:headEnd type="none" w="med" len="med"/>
+            <a:tailEnd type="arrow" w="med" len="med"/>
+          </a:ln>
+        </p:spPr>
+        <p:style>
+          <a:lnRef idx="1">
+            <a:schemeClr val="accent1"/>
+          </a:lnRef>
+          <a:fillRef idx="0">
+            <a:schemeClr val="accent1"/>
+          </a:fillRef>
+          <a:effectRef idx="0">
+            <a:schemeClr val="accent1"/>
+          </a:effectRef>
+          <a:fontRef idx="minor">
+            <a:schemeClr val="tx1"/>
+          </a:fontRef>
+        </p:style>
+      </p:cxnSp>
+      <p:cxnSp>
+        <p:nvCxnSpPr>
+          <p:cNvPr id="64" name="직선 화살표 연결선 63">
+            <a:extLst>
+              <a:ext uri="{FF2B5EF4-FFF2-40B4-BE49-F238E27FC236}">
+                <a16:creationId xmlns:a16="http://schemas.microsoft.com/office/drawing/2014/main" xmlns="" id="{C57CA143-10BC-4F75-BDEC-0F96FACB1144}"/>
+              </a:ext>
+            </a:extLst>
+          </p:cNvPr>
+          <p:cNvCxnSpPr>
+            <a:cxnSpLocks/>
+            <a:stCxn id="57" idx="3"/>
+          </p:cNvCxnSpPr>
+          <p:nvPr/>
+        </p:nvCxnSpPr>
+        <p:spPr>
+          <a:xfrm flipV="1">
+            <a:off x="7557240" y="3390754"/>
+            <a:ext cx="399136" cy="1"/>
+          </a:xfrm>
+          <a:prstGeom prst="straightConnector1">
+            <a:avLst/>
+          </a:prstGeom>
+          <a:ln w="28575">
+            <a:solidFill>
+              <a:schemeClr val="tx1"/>
+            </a:solidFill>
+            <a:headEnd type="none" w="med" len="med"/>
+            <a:tailEnd type="arrow" w="med" len="med"/>
+          </a:ln>
+        </p:spPr>
+        <p:style>
+          <a:lnRef idx="1">
+            <a:schemeClr val="accent1"/>
+          </a:lnRef>
+          <a:fillRef idx="0">
+            <a:schemeClr val="accent1"/>
+          </a:fillRef>
+          <a:effectRef idx="0">
+            <a:schemeClr val="accent1"/>
+          </a:effectRef>
+          <a:fontRef idx="minor">
+            <a:schemeClr val="tx1"/>
+          </a:fontRef>
+        </p:style>
+      </p:cxnSp>
+      <p:sp>
+        <p:nvSpPr>
+          <p:cNvPr id="66" name="사각형: 둥근 모서리 54">
+            <a:extLst>
+              <a:ext uri="{FF2B5EF4-FFF2-40B4-BE49-F238E27FC236}">
+                <a16:creationId xmlns:a16="http://schemas.microsoft.com/office/drawing/2014/main" xmlns="" id="{54191E13-9C02-445B-A0E9-860191A5017D}"/>
+              </a:ext>
+            </a:extLst>
+          </p:cNvPr>
+          <p:cNvSpPr/>
+          <p:nvPr/>
+        </p:nvSpPr>
+        <p:spPr>
+          <a:xfrm>
+            <a:off x="4840484" y="2252810"/>
+            <a:ext cx="1008112" cy="390948"/>
+          </a:xfrm>
+          <a:prstGeom prst="roundRect">
+            <a:avLst>
+              <a:gd name="adj" fmla="val 8828"/>
+            </a:avLst>
+          </a:prstGeom>
+          <a:noFill/>
+          <a:ln>
+            <a:noFill/>
+          </a:ln>
+        </p:spPr>
+        <p:style>
+          <a:lnRef idx="2">
+            <a:schemeClr val="dk1"/>
+          </a:lnRef>
+          <a:fillRef idx="1">
+            <a:schemeClr val="lt1"/>
+          </a:fillRef>
+          <a:effectRef idx="0">
+            <a:schemeClr val="dk1"/>
+          </a:effectRef>
+          <a:fontRef idx="minor">
+            <a:schemeClr val="dk1"/>
+          </a:fontRef>
+        </p:style>
+        <p:txBody>
+          <a:bodyPr rtlCol="0" anchor="ctr"/>
+          <a:lstStyle/>
+          <a:p>
+            <a:pPr algn="ctr"/>
+            <a:r>
+              <a:rPr lang="en-US" altLang="ko-KR" sz="1100" dirty="0" smtClean="0"/>
+              <a:t>Thread A</a:t>
+            </a:r>
+            <a:endParaRPr lang="ko-KR" altLang="en-US" sz="1100" dirty="0"/>
+          </a:p>
+        </p:txBody>
+      </p:sp>
+      <p:sp>
+        <p:nvSpPr>
+          <p:cNvPr id="67" name="사각형: 둥근 모서리 54">
+            <a:extLst>
+              <a:ext uri="{FF2B5EF4-FFF2-40B4-BE49-F238E27FC236}">
+                <a16:creationId xmlns:a16="http://schemas.microsoft.com/office/drawing/2014/main" xmlns="" id="{54191E13-9C02-445B-A0E9-860191A5017D}"/>
+              </a:ext>
+            </a:extLst>
+          </p:cNvPr>
+          <p:cNvSpPr/>
+          <p:nvPr/>
+        </p:nvSpPr>
+        <p:spPr>
+          <a:xfrm>
+            <a:off x="5796136" y="2252810"/>
+            <a:ext cx="1008112" cy="390948"/>
+          </a:xfrm>
+          <a:prstGeom prst="roundRect">
+            <a:avLst>
+              <a:gd name="adj" fmla="val 8828"/>
+            </a:avLst>
+          </a:prstGeom>
+          <a:noFill/>
+          <a:ln>
+            <a:noFill/>
+          </a:ln>
+        </p:spPr>
+        <p:style>
+          <a:lnRef idx="2">
+            <a:schemeClr val="dk1"/>
+          </a:lnRef>
+          <a:fillRef idx="1">
+            <a:schemeClr val="lt1"/>
+          </a:fillRef>
+          <a:effectRef idx="0">
+            <a:schemeClr val="dk1"/>
+          </a:effectRef>
+          <a:fontRef idx="minor">
+            <a:schemeClr val="dk1"/>
+          </a:fontRef>
+        </p:style>
+        <p:txBody>
+          <a:bodyPr rtlCol="0" anchor="ctr"/>
+          <a:lstStyle/>
+          <a:p>
+            <a:pPr algn="ctr"/>
+            <a:r>
+              <a:rPr lang="en-US" altLang="ko-KR" sz="1100" dirty="0" smtClean="0"/>
+              <a:t>Thread B</a:t>
+            </a:r>
+            <a:endParaRPr lang="ko-KR" altLang="en-US" sz="1100" dirty="0"/>
+          </a:p>
+        </p:txBody>
+      </p:sp>
+      <p:sp>
+        <p:nvSpPr>
+          <p:cNvPr id="68" name="사각형: 둥근 모서리 54">
+            <a:extLst>
+              <a:ext uri="{FF2B5EF4-FFF2-40B4-BE49-F238E27FC236}">
+                <a16:creationId xmlns:a16="http://schemas.microsoft.com/office/drawing/2014/main" xmlns="" id="{54191E13-9C02-445B-A0E9-860191A5017D}"/>
+              </a:ext>
+            </a:extLst>
+          </p:cNvPr>
+          <p:cNvSpPr/>
+          <p:nvPr/>
+        </p:nvSpPr>
+        <p:spPr>
+          <a:xfrm>
+            <a:off x="6712692" y="2252810"/>
+            <a:ext cx="1008112" cy="390948"/>
+          </a:xfrm>
+          <a:prstGeom prst="roundRect">
+            <a:avLst>
+              <a:gd name="adj" fmla="val 8828"/>
+            </a:avLst>
+          </a:prstGeom>
+          <a:noFill/>
+          <a:ln>
+            <a:noFill/>
+          </a:ln>
+        </p:spPr>
+        <p:style>
+          <a:lnRef idx="2">
+            <a:schemeClr val="dk1"/>
+          </a:lnRef>
+          <a:fillRef idx="1">
+            <a:schemeClr val="lt1"/>
+          </a:fillRef>
+          <a:effectRef idx="0">
+            <a:schemeClr val="dk1"/>
+          </a:effectRef>
+          <a:fontRef idx="minor">
+            <a:schemeClr val="dk1"/>
+          </a:fontRef>
+        </p:style>
+        <p:txBody>
+          <a:bodyPr rtlCol="0" anchor="ctr"/>
+          <a:lstStyle/>
+          <a:p>
+            <a:pPr algn="ctr"/>
+            <a:r>
+              <a:rPr lang="en-US" altLang="ko-KR" sz="1100" dirty="0" smtClean="0"/>
+              <a:t>Thread C</a:t>
+            </a:r>
+            <a:endParaRPr lang="ko-KR" altLang="en-US" sz="1100" dirty="0"/>
+          </a:p>
+        </p:txBody>
+      </p:sp>
+    </p:spTree>
+    <p:extLst>
+      <p:ext uri="{BB962C8B-B14F-4D97-AF65-F5344CB8AC3E}">
+        <p14:creationId xmlns:p14="http://schemas.microsoft.com/office/powerpoint/2010/main" val="2960939425"/>
       </p:ext>
     </p:extLst>
   </p:cSld>

--- a/images/theory_analysis/JVM/JVM.pptx
+++ b/images/theory_analysis/JVM/JVM.pptx
@@ -111,7 +111,7 @@
   </p:defaultTextStyle>
   <p:extLst>
     <p:ext uri="{EFAFB233-063F-42B5-8137-9DF3F51BA10A}">
-      <p15:sldGuideLst xmlns:p15="http://schemas.microsoft.com/office/powerpoint/2012/main" xmlns="">
+      <p15:sldGuideLst xmlns="" xmlns:p15="http://schemas.microsoft.com/office/powerpoint/2012/main">
         <p15:guide id="1" orient="horz" pos="2160">
           <p15:clr>
             <a:srgbClr val="A4A3A4"/>
@@ -3686,7 +3686,7 @@
           <p:cNvPr id="5" name="사각형: 둥근 모서리 4">
             <a:extLst>
               <a:ext uri="{FF2B5EF4-FFF2-40B4-BE49-F238E27FC236}">
-                <a16:creationId xmlns:a16="http://schemas.microsoft.com/office/drawing/2014/main" xmlns="" id="{AC14FF3C-BEF2-4BFB-B6B1-9FFE7B195D55}"/>
+                <a16:creationId xmlns="" xmlns:a16="http://schemas.microsoft.com/office/drawing/2014/main" id="{AC14FF3C-BEF2-4BFB-B6B1-9FFE7B195D55}"/>
               </a:ext>
             </a:extLst>
           </p:cNvPr>
@@ -3736,7 +3736,7 @@
           <p:cNvPr id="33" name="사각형: 둥근 모서리 32">
             <a:extLst>
               <a:ext uri="{FF2B5EF4-FFF2-40B4-BE49-F238E27FC236}">
-                <a16:creationId xmlns:a16="http://schemas.microsoft.com/office/drawing/2014/main" xmlns="" id="{0ED80822-E913-4A6C-ADAC-5DA27FAF8CE4}"/>
+                <a16:creationId xmlns="" xmlns:a16="http://schemas.microsoft.com/office/drawing/2014/main" id="{0ED80822-E913-4A6C-ADAC-5DA27FAF8CE4}"/>
               </a:ext>
             </a:extLst>
           </p:cNvPr>
@@ -3786,7 +3786,7 @@
           <p:cNvPr id="34" name="사각형: 둥근 모서리 33">
             <a:extLst>
               <a:ext uri="{FF2B5EF4-FFF2-40B4-BE49-F238E27FC236}">
-                <a16:creationId xmlns:a16="http://schemas.microsoft.com/office/drawing/2014/main" xmlns="" id="{13890B0C-1BD2-4E04-9707-4D40419B4199}"/>
+                <a16:creationId xmlns="" xmlns:a16="http://schemas.microsoft.com/office/drawing/2014/main" id="{13890B0C-1BD2-4E04-9707-4D40419B4199}"/>
               </a:ext>
             </a:extLst>
           </p:cNvPr>
@@ -3795,7 +3795,7 @@
         </p:nvSpPr>
         <p:spPr>
           <a:xfrm>
-            <a:off x="5756768" y="3631323"/>
+            <a:off x="5742131" y="3631411"/>
             <a:ext cx="1224135" cy="1224136"/>
           </a:xfrm>
           <a:prstGeom prst="roundRect">
@@ -3836,7 +3836,7 @@
           <p:cNvPr id="35" name="사각형: 둥근 모서리 34">
             <a:extLst>
               <a:ext uri="{FF2B5EF4-FFF2-40B4-BE49-F238E27FC236}">
-                <a16:creationId xmlns:a16="http://schemas.microsoft.com/office/drawing/2014/main" xmlns="" id="{3B688963-A02A-4DA1-8BBD-5F37E7C46BAC}"/>
+                <a16:creationId xmlns="" xmlns:a16="http://schemas.microsoft.com/office/drawing/2014/main" id="{3B688963-A02A-4DA1-8BBD-5F37E7C46BAC}"/>
               </a:ext>
             </a:extLst>
           </p:cNvPr>
@@ -3893,7 +3893,7 @@
           <p:cNvPr id="36" name="사각형: 둥근 모서리 35">
             <a:extLst>
               <a:ext uri="{FF2B5EF4-FFF2-40B4-BE49-F238E27FC236}">
-                <a16:creationId xmlns:a16="http://schemas.microsoft.com/office/drawing/2014/main" xmlns="" id="{5FB5E565-2567-4717-A20A-144566F7E642}"/>
+                <a16:creationId xmlns="" xmlns:a16="http://schemas.microsoft.com/office/drawing/2014/main" id="{5FB5E565-2567-4717-A20A-144566F7E642}"/>
               </a:ext>
             </a:extLst>
           </p:cNvPr>
@@ -3950,7 +3950,7 @@
           <p:cNvPr id="37" name="사각형: 둥근 모서리 36">
             <a:extLst>
               <a:ext uri="{FF2B5EF4-FFF2-40B4-BE49-F238E27FC236}">
-                <a16:creationId xmlns:a16="http://schemas.microsoft.com/office/drawing/2014/main" xmlns="" id="{4018AE8C-637E-4015-9FAC-B75C5DE033F6}"/>
+                <a16:creationId xmlns="" xmlns:a16="http://schemas.microsoft.com/office/drawing/2014/main" id="{4018AE8C-637E-4015-9FAC-B75C5DE033F6}"/>
               </a:ext>
             </a:extLst>
           </p:cNvPr>
@@ -4007,7 +4007,7 @@
           <p:cNvPr id="38" name="사각형: 둥근 모서리 37">
             <a:extLst>
               <a:ext uri="{FF2B5EF4-FFF2-40B4-BE49-F238E27FC236}">
-                <a16:creationId xmlns:a16="http://schemas.microsoft.com/office/drawing/2014/main" xmlns="" id="{34F82070-9396-4146-A0A3-40CCD4B79434}"/>
+                <a16:creationId xmlns="" xmlns:a16="http://schemas.microsoft.com/office/drawing/2014/main" id="{34F82070-9396-4146-A0A3-40CCD4B79434}"/>
               </a:ext>
             </a:extLst>
           </p:cNvPr>
@@ -4064,7 +4064,7 @@
           <p:cNvPr id="8" name="직선 화살표 연결선 7">
             <a:extLst>
               <a:ext uri="{FF2B5EF4-FFF2-40B4-BE49-F238E27FC236}">
-                <a16:creationId xmlns:a16="http://schemas.microsoft.com/office/drawing/2014/main" xmlns="" id="{99455ECB-1F8C-4A67-8ED0-95F7265627E7}"/>
+                <a16:creationId xmlns="" xmlns:a16="http://schemas.microsoft.com/office/drawing/2014/main" id="{99455ECB-1F8C-4A67-8ED0-95F7265627E7}"/>
               </a:ext>
             </a:extLst>
           </p:cNvPr>
@@ -4110,7 +4110,7 @@
           <p:cNvPr id="41" name="직선 화살표 연결선 40">
             <a:extLst>
               <a:ext uri="{FF2B5EF4-FFF2-40B4-BE49-F238E27FC236}">
-                <a16:creationId xmlns:a16="http://schemas.microsoft.com/office/drawing/2014/main" xmlns="" id="{31C68760-505D-47D4-89A6-7108E811D63E}"/>
+                <a16:creationId xmlns="" xmlns:a16="http://schemas.microsoft.com/office/drawing/2014/main" id="{31C68760-505D-47D4-89A6-7108E811D63E}"/>
               </a:ext>
             </a:extLst>
           </p:cNvPr>
@@ -4156,7 +4156,7 @@
           <p:cNvPr id="50" name="직선 화살표 연결선 49">
             <a:extLst>
               <a:ext uri="{FF2B5EF4-FFF2-40B4-BE49-F238E27FC236}">
-                <a16:creationId xmlns:a16="http://schemas.microsoft.com/office/drawing/2014/main" xmlns="" id="{85F2B56F-8F96-4775-9981-CCCBF721116A}"/>
+                <a16:creationId xmlns="" xmlns:a16="http://schemas.microsoft.com/office/drawing/2014/main" id="{85F2B56F-8F96-4775-9981-CCCBF721116A}"/>
               </a:ext>
             </a:extLst>
           </p:cNvPr>
@@ -4170,7 +4170,7 @@
         <p:spPr>
           <a:xfrm>
             <a:off x="5436094" y="4243391"/>
-            <a:ext cx="320674" cy="0"/>
+            <a:ext cx="306037" cy="88"/>
           </a:xfrm>
           <a:prstGeom prst="straightConnector1">
             <a:avLst/>
@@ -4203,7 +4203,7 @@
           <p:cNvPr id="54" name="직선 화살표 연결선 53">
             <a:extLst>
               <a:ext uri="{FF2B5EF4-FFF2-40B4-BE49-F238E27FC236}">
-                <a16:creationId xmlns:a16="http://schemas.microsoft.com/office/drawing/2014/main" xmlns="" id="{6C64DF22-313E-44EB-A9CB-D52253B3C3F2}"/>
+                <a16:creationId xmlns="" xmlns:a16="http://schemas.microsoft.com/office/drawing/2014/main" id="{6C64DF22-313E-44EB-A9CB-D52253B3C3F2}"/>
               </a:ext>
             </a:extLst>
           </p:cNvPr>
@@ -4216,8 +4216,8 @@
         </p:nvCxnSpPr>
         <p:spPr>
           <a:xfrm>
-            <a:off x="6980903" y="4243391"/>
-            <a:ext cx="280008" cy="88"/>
+            <a:off x="6966266" y="4243479"/>
+            <a:ext cx="294645" cy="0"/>
           </a:xfrm>
           <a:prstGeom prst="straightConnector1">
             <a:avLst/>
@@ -4250,7 +4250,7 @@
           <p:cNvPr id="70" name="사각형: 둥근 모서리 69">
             <a:extLst>
               <a:ext uri="{FF2B5EF4-FFF2-40B4-BE49-F238E27FC236}">
-                <a16:creationId xmlns:a16="http://schemas.microsoft.com/office/drawing/2014/main" xmlns="" id="{8C42BF44-1202-42C6-8089-8371A4435DBA}"/>
+                <a16:creationId xmlns="" xmlns:a16="http://schemas.microsoft.com/office/drawing/2014/main" id="{8C42BF44-1202-42C6-8089-8371A4435DBA}"/>
               </a:ext>
             </a:extLst>
           </p:cNvPr>
@@ -4300,7 +4300,7 @@
           <p:cNvPr id="71" name="사각형: 둥근 모서리 70">
             <a:extLst>
               <a:ext uri="{FF2B5EF4-FFF2-40B4-BE49-F238E27FC236}">
-                <a16:creationId xmlns:a16="http://schemas.microsoft.com/office/drawing/2014/main" xmlns="" id="{F8FA75F0-BEED-444F-A182-0749C1041842}"/>
+                <a16:creationId xmlns="" xmlns:a16="http://schemas.microsoft.com/office/drawing/2014/main" id="{F8FA75F0-BEED-444F-A182-0749C1041842}"/>
               </a:ext>
             </a:extLst>
           </p:cNvPr>
@@ -4350,7 +4350,7 @@
           <p:cNvPr id="77" name="사각형: 둥근 모서리 76">
             <a:extLst>
               <a:ext uri="{FF2B5EF4-FFF2-40B4-BE49-F238E27FC236}">
-                <a16:creationId xmlns:a16="http://schemas.microsoft.com/office/drawing/2014/main" xmlns="" id="{A880534C-3EBA-4B7A-8D9D-9C19B29068A2}"/>
+                <a16:creationId xmlns="" xmlns:a16="http://schemas.microsoft.com/office/drawing/2014/main" id="{A880534C-3EBA-4B7A-8D9D-9C19B29068A2}"/>
               </a:ext>
             </a:extLst>
           </p:cNvPr>
@@ -4400,7 +4400,7 @@
           <p:cNvPr id="88" name="사각형: 둥근 모서리 87">
             <a:extLst>
               <a:ext uri="{FF2B5EF4-FFF2-40B4-BE49-F238E27FC236}">
-                <a16:creationId xmlns:a16="http://schemas.microsoft.com/office/drawing/2014/main" xmlns="" id="{103D79A6-654B-4023-B3CC-3A17D3A14472}"/>
+                <a16:creationId xmlns="" xmlns:a16="http://schemas.microsoft.com/office/drawing/2014/main" id="{103D79A6-654B-4023-B3CC-3A17D3A14472}"/>
               </a:ext>
             </a:extLst>
           </p:cNvPr>
@@ -4450,7 +4450,7 @@
           <p:cNvPr id="89" name="사각형: 둥근 모서리 88">
             <a:extLst>
               <a:ext uri="{FF2B5EF4-FFF2-40B4-BE49-F238E27FC236}">
-                <a16:creationId xmlns:a16="http://schemas.microsoft.com/office/drawing/2014/main" xmlns="" id="{DDF6AEC1-72AC-4AC7-93E1-5C2AD9C83F93}"/>
+                <a16:creationId xmlns="" xmlns:a16="http://schemas.microsoft.com/office/drawing/2014/main" id="{DDF6AEC1-72AC-4AC7-93E1-5C2AD9C83F93}"/>
               </a:ext>
             </a:extLst>
           </p:cNvPr>
@@ -4500,7 +4500,7 @@
           <p:cNvPr id="90" name="사각형: 둥근 모서리 89">
             <a:extLst>
               <a:ext uri="{FF2B5EF4-FFF2-40B4-BE49-F238E27FC236}">
-                <a16:creationId xmlns:a16="http://schemas.microsoft.com/office/drawing/2014/main" xmlns="" id="{D6DDBD61-0419-4C6E-AFB9-993C5E98B44B}"/>
+                <a16:creationId xmlns="" xmlns:a16="http://schemas.microsoft.com/office/drawing/2014/main" id="{D6DDBD61-0419-4C6E-AFB9-993C5E98B44B}"/>
               </a:ext>
             </a:extLst>
           </p:cNvPr>
@@ -4550,7 +4550,7 @@
           <p:cNvPr id="91" name="사각형: 둥근 모서리 90">
             <a:extLst>
               <a:ext uri="{FF2B5EF4-FFF2-40B4-BE49-F238E27FC236}">
-                <a16:creationId xmlns:a16="http://schemas.microsoft.com/office/drawing/2014/main" xmlns="" id="{164CD56E-83E0-4794-A85C-7C7978701577}"/>
+                <a16:creationId xmlns="" xmlns:a16="http://schemas.microsoft.com/office/drawing/2014/main" id="{164CD56E-83E0-4794-A85C-7C7978701577}"/>
               </a:ext>
             </a:extLst>
           </p:cNvPr>
@@ -4607,7 +4607,7 @@
           <p:cNvPr id="92" name="사각형: 둥근 모서리 91">
             <a:extLst>
               <a:ext uri="{FF2B5EF4-FFF2-40B4-BE49-F238E27FC236}">
-                <a16:creationId xmlns:a16="http://schemas.microsoft.com/office/drawing/2014/main" xmlns="" id="{2CFF8DDA-B67F-4B62-83E7-043F87F0C3F2}"/>
+                <a16:creationId xmlns="" xmlns:a16="http://schemas.microsoft.com/office/drawing/2014/main" id="{2CFF8DDA-B67F-4B62-83E7-043F87F0C3F2}"/>
               </a:ext>
             </a:extLst>
           </p:cNvPr>
@@ -4664,7 +4664,7 @@
           <p:cNvPr id="93" name="사각형: 둥근 모서리 92">
             <a:extLst>
               <a:ext uri="{FF2B5EF4-FFF2-40B4-BE49-F238E27FC236}">
-                <a16:creationId xmlns:a16="http://schemas.microsoft.com/office/drawing/2014/main" xmlns="" id="{BD280C96-8495-4F44-93C1-FDBAFD1DE9E3}"/>
+                <a16:creationId xmlns="" xmlns:a16="http://schemas.microsoft.com/office/drawing/2014/main" id="{BD280C96-8495-4F44-93C1-FDBAFD1DE9E3}"/>
               </a:ext>
             </a:extLst>
           </p:cNvPr>
@@ -4721,7 +4721,7 @@
           <p:cNvPr id="102" name="사각형: 둥근 모서리 101">
             <a:extLst>
               <a:ext uri="{FF2B5EF4-FFF2-40B4-BE49-F238E27FC236}">
-                <a16:creationId xmlns:a16="http://schemas.microsoft.com/office/drawing/2014/main" xmlns="" id="{1D13DC85-E544-4055-84D5-1D33BFF30AEB}"/>
+                <a16:creationId xmlns="" xmlns:a16="http://schemas.microsoft.com/office/drawing/2014/main" id="{1D13DC85-E544-4055-84D5-1D33BFF30AEB}"/>
               </a:ext>
             </a:extLst>
           </p:cNvPr>
@@ -4771,7 +4771,7 @@
           <p:cNvPr id="103" name="직선 화살표 연결선 102">
             <a:extLst>
               <a:ext uri="{FF2B5EF4-FFF2-40B4-BE49-F238E27FC236}">
-                <a16:creationId xmlns:a16="http://schemas.microsoft.com/office/drawing/2014/main" xmlns="" id="{17E7CE9C-E8F1-4271-B6B7-0AB5298D744B}"/>
+                <a16:creationId xmlns="" xmlns:a16="http://schemas.microsoft.com/office/drawing/2014/main" id="{17E7CE9C-E8F1-4271-B6B7-0AB5298D744B}"/>
               </a:ext>
             </a:extLst>
           </p:cNvPr>
@@ -4818,7 +4818,7 @@
           <p:cNvPr id="58" name="직선 화살표 연결선 57">
             <a:extLst>
               <a:ext uri="{FF2B5EF4-FFF2-40B4-BE49-F238E27FC236}">
-                <a16:creationId xmlns:a16="http://schemas.microsoft.com/office/drawing/2014/main" xmlns="" id="{0312F228-A530-4215-B0ED-105D8CA8EE04}"/>
+                <a16:creationId xmlns="" xmlns:a16="http://schemas.microsoft.com/office/drawing/2014/main" id="{0312F228-A530-4215-B0ED-105D8CA8EE04}"/>
               </a:ext>
             </a:extLst>
           </p:cNvPr>
@@ -4831,8 +4831,8 @@
         </p:nvCxnSpPr>
         <p:spPr>
           <a:xfrm flipV="1">
-            <a:off x="6368836" y="3218941"/>
-            <a:ext cx="1263504" cy="412382"/>
+            <a:off x="6354199" y="3218941"/>
+            <a:ext cx="1278141" cy="412470"/>
           </a:xfrm>
           <a:prstGeom prst="straightConnector1">
             <a:avLst/>
@@ -4923,7 +4923,7 @@
           <p:cNvPr id="21" name="사각형: 둥근 모서리 20">
             <a:extLst>
               <a:ext uri="{FF2B5EF4-FFF2-40B4-BE49-F238E27FC236}">
-                <a16:creationId xmlns:a16="http://schemas.microsoft.com/office/drawing/2014/main" xmlns="" id="{7A0F6361-BCF8-4E4B-8C49-8129BEC66181}"/>
+                <a16:creationId xmlns="" xmlns:a16="http://schemas.microsoft.com/office/drawing/2014/main" id="{7A0F6361-BCF8-4E4B-8C49-8129BEC66181}"/>
               </a:ext>
             </a:extLst>
           </p:cNvPr>
@@ -4980,7 +4980,7 @@
           <p:cNvPr id="22" name="사각형: 둥근 모서리 21">
             <a:extLst>
               <a:ext uri="{FF2B5EF4-FFF2-40B4-BE49-F238E27FC236}">
-                <a16:creationId xmlns:a16="http://schemas.microsoft.com/office/drawing/2014/main" xmlns="" id="{C2C658F1-203A-4CDF-8931-3304CF62B43D}"/>
+                <a16:creationId xmlns="" xmlns:a16="http://schemas.microsoft.com/office/drawing/2014/main" id="{C2C658F1-203A-4CDF-8931-3304CF62B43D}"/>
               </a:ext>
             </a:extLst>
           </p:cNvPr>
@@ -5037,7 +5037,7 @@
           <p:cNvPr id="23" name="사각형: 둥근 모서리 22">
             <a:extLst>
               <a:ext uri="{FF2B5EF4-FFF2-40B4-BE49-F238E27FC236}">
-                <a16:creationId xmlns:a16="http://schemas.microsoft.com/office/drawing/2014/main" xmlns="" id="{0D76C54C-A3BE-4D61-8005-DC7C77DFCD0C}"/>
+                <a16:creationId xmlns="" xmlns:a16="http://schemas.microsoft.com/office/drawing/2014/main" id="{0D76C54C-A3BE-4D61-8005-DC7C77DFCD0C}"/>
               </a:ext>
             </a:extLst>
           </p:cNvPr>
@@ -5094,7 +5094,7 @@
           <p:cNvPr id="24" name="직선 화살표 연결선 23">
             <a:extLst>
               <a:ext uri="{FF2B5EF4-FFF2-40B4-BE49-F238E27FC236}">
-                <a16:creationId xmlns:a16="http://schemas.microsoft.com/office/drawing/2014/main" xmlns="" id="{4B07A47B-E3B4-4132-9E09-E638E5020D29}"/>
+                <a16:creationId xmlns="" xmlns:a16="http://schemas.microsoft.com/office/drawing/2014/main" id="{4B07A47B-E3B4-4132-9E09-E638E5020D29}"/>
               </a:ext>
             </a:extLst>
           </p:cNvPr>
@@ -5141,7 +5141,7 @@
           <p:cNvPr id="27" name="직선 화살표 연결선 26">
             <a:extLst>
               <a:ext uri="{FF2B5EF4-FFF2-40B4-BE49-F238E27FC236}">
-                <a16:creationId xmlns:a16="http://schemas.microsoft.com/office/drawing/2014/main" xmlns="" id="{C57CA143-10BC-4F75-BDEC-0F96FACB1144}"/>
+                <a16:creationId xmlns="" xmlns:a16="http://schemas.microsoft.com/office/drawing/2014/main" id="{C57CA143-10BC-4F75-BDEC-0F96FACB1144}"/>
               </a:ext>
             </a:extLst>
           </p:cNvPr>
@@ -5188,7 +5188,7 @@
           <p:cNvPr id="31" name="사각형: 둥근 모서리 30">
             <a:extLst>
               <a:ext uri="{FF2B5EF4-FFF2-40B4-BE49-F238E27FC236}">
-                <a16:creationId xmlns:a16="http://schemas.microsoft.com/office/drawing/2014/main" xmlns="" id="{2ABBF860-9506-4A50-A578-D4B1D06E10D1}"/>
+                <a16:creationId xmlns="" xmlns:a16="http://schemas.microsoft.com/office/drawing/2014/main" id="{2ABBF860-9506-4A50-A578-D4B1D06E10D1}"/>
               </a:ext>
             </a:extLst>
           </p:cNvPr>
@@ -5238,7 +5238,7 @@
           <p:cNvPr id="39" name="사각형: 둥근 모서리 38">
             <a:extLst>
               <a:ext uri="{FF2B5EF4-FFF2-40B4-BE49-F238E27FC236}">
-                <a16:creationId xmlns:a16="http://schemas.microsoft.com/office/drawing/2014/main" xmlns="" id="{02401BBC-CA91-4BB2-BE06-01EB7D7040E7}"/>
+                <a16:creationId xmlns="" xmlns:a16="http://schemas.microsoft.com/office/drawing/2014/main" id="{02401BBC-CA91-4BB2-BE06-01EB7D7040E7}"/>
               </a:ext>
             </a:extLst>
           </p:cNvPr>
@@ -5288,7 +5288,7 @@
           <p:cNvPr id="40" name="직선 화살표 연결선 39">
             <a:extLst>
               <a:ext uri="{FF2B5EF4-FFF2-40B4-BE49-F238E27FC236}">
-                <a16:creationId xmlns:a16="http://schemas.microsoft.com/office/drawing/2014/main" xmlns="" id="{0258ECFF-791F-4F75-9B23-4F9153CF0B3D}"/>
+                <a16:creationId xmlns="" xmlns:a16="http://schemas.microsoft.com/office/drawing/2014/main" id="{0258ECFF-791F-4F75-9B23-4F9153CF0B3D}"/>
               </a:ext>
             </a:extLst>
           </p:cNvPr>
@@ -5335,7 +5335,7 @@
           <p:cNvPr id="42" name="직선 화살표 연결선 41">
             <a:extLst>
               <a:ext uri="{FF2B5EF4-FFF2-40B4-BE49-F238E27FC236}">
-                <a16:creationId xmlns:a16="http://schemas.microsoft.com/office/drawing/2014/main" xmlns="" id="{2DA03BE7-349D-42EB-841F-ACDF1C324F62}"/>
+                <a16:creationId xmlns="" xmlns:a16="http://schemas.microsoft.com/office/drawing/2014/main" id="{2DA03BE7-349D-42EB-841F-ACDF1C324F62}"/>
               </a:ext>
             </a:extLst>
           </p:cNvPr>
@@ -5382,7 +5382,7 @@
           <p:cNvPr id="45" name="사각형: 둥근 모서리 44">
             <a:extLst>
               <a:ext uri="{FF2B5EF4-FFF2-40B4-BE49-F238E27FC236}">
-                <a16:creationId xmlns:a16="http://schemas.microsoft.com/office/drawing/2014/main" xmlns="" id="{25E8936D-6811-4F8E-A74C-CD9BB1822F5F}"/>
+                <a16:creationId xmlns="" xmlns:a16="http://schemas.microsoft.com/office/drawing/2014/main" id="{25E8936D-6811-4F8E-A74C-CD9BB1822F5F}"/>
               </a:ext>
             </a:extLst>
           </p:cNvPr>
@@ -5432,7 +5432,7 @@
           <p:cNvPr id="46" name="직선 화살표 연결선 45">
             <a:extLst>
               <a:ext uri="{FF2B5EF4-FFF2-40B4-BE49-F238E27FC236}">
-                <a16:creationId xmlns:a16="http://schemas.microsoft.com/office/drawing/2014/main" xmlns="" id="{88EEC10E-79C7-4B94-8CA2-B1D1B18B8242}"/>
+                <a16:creationId xmlns="" xmlns:a16="http://schemas.microsoft.com/office/drawing/2014/main" id="{88EEC10E-79C7-4B94-8CA2-B1D1B18B8242}"/>
               </a:ext>
             </a:extLst>
           </p:cNvPr>
@@ -5479,7 +5479,7 @@
           <p:cNvPr id="28" name="직선 연결선 27">
             <a:extLst>
               <a:ext uri="{FF2B5EF4-FFF2-40B4-BE49-F238E27FC236}">
-                <a16:creationId xmlns:a16="http://schemas.microsoft.com/office/drawing/2014/main" xmlns="" id="{A99299D2-4ABB-4DDA-BDE7-BA71B9F61E42}"/>
+                <a16:creationId xmlns="" xmlns:a16="http://schemas.microsoft.com/office/drawing/2014/main" id="{A99299D2-4ABB-4DDA-BDE7-BA71B9F61E42}"/>
               </a:ext>
             </a:extLst>
           </p:cNvPr>
@@ -5523,7 +5523,7 @@
           <p:cNvPr id="53" name="사각형: 둥근 모서리 52">
             <a:extLst>
               <a:ext uri="{FF2B5EF4-FFF2-40B4-BE49-F238E27FC236}">
-                <a16:creationId xmlns:a16="http://schemas.microsoft.com/office/drawing/2014/main" xmlns="" id="{2C026359-8EB3-4205-B4DD-50325E2AE2CD}"/>
+                <a16:creationId xmlns="" xmlns:a16="http://schemas.microsoft.com/office/drawing/2014/main" id="{2C026359-8EB3-4205-B4DD-50325E2AE2CD}"/>
               </a:ext>
             </a:extLst>
           </p:cNvPr>
@@ -5576,7 +5576,7 @@
           <p:cNvPr id="55" name="사각형: 둥근 모서리 54">
             <a:extLst>
               <a:ext uri="{FF2B5EF4-FFF2-40B4-BE49-F238E27FC236}">
-                <a16:creationId xmlns:a16="http://schemas.microsoft.com/office/drawing/2014/main" xmlns="" id="{54191E13-9C02-445B-A0E9-860191A5017D}"/>
+                <a16:creationId xmlns="" xmlns:a16="http://schemas.microsoft.com/office/drawing/2014/main" id="{54191E13-9C02-445B-A0E9-860191A5017D}"/>
               </a:ext>
             </a:extLst>
           </p:cNvPr>
@@ -5687,7 +5687,7 @@
           <p:cNvPr id="17" name="사각형: 둥근 모서리 87">
             <a:extLst>
               <a:ext uri="{FF2B5EF4-FFF2-40B4-BE49-F238E27FC236}">
-                <a16:creationId xmlns:a16="http://schemas.microsoft.com/office/drawing/2014/main" xmlns="" id="{103D79A6-654B-4023-B3CC-3A17D3A14472}"/>
+                <a16:creationId xmlns="" xmlns:a16="http://schemas.microsoft.com/office/drawing/2014/main" id="{103D79A6-654B-4023-B3CC-3A17D3A14472}"/>
               </a:ext>
             </a:extLst>
           </p:cNvPr>
@@ -5737,7 +5737,7 @@
           <p:cNvPr id="18" name="사각형: 둥근 모서리 88">
             <a:extLst>
               <a:ext uri="{FF2B5EF4-FFF2-40B4-BE49-F238E27FC236}">
-                <a16:creationId xmlns:a16="http://schemas.microsoft.com/office/drawing/2014/main" xmlns="" id="{DDF6AEC1-72AC-4AC7-93E1-5C2AD9C83F93}"/>
+                <a16:creationId xmlns="" xmlns:a16="http://schemas.microsoft.com/office/drawing/2014/main" id="{DDF6AEC1-72AC-4AC7-93E1-5C2AD9C83F93}"/>
               </a:ext>
             </a:extLst>
           </p:cNvPr>
@@ -5791,7 +5791,7 @@
           <p:cNvPr id="19" name="사각형: 둥근 모서리 87">
             <a:extLst>
               <a:ext uri="{FF2B5EF4-FFF2-40B4-BE49-F238E27FC236}">
-                <a16:creationId xmlns:a16="http://schemas.microsoft.com/office/drawing/2014/main" xmlns="" id="{103D79A6-654B-4023-B3CC-3A17D3A14472}"/>
+                <a16:creationId xmlns="" xmlns:a16="http://schemas.microsoft.com/office/drawing/2014/main" id="{103D79A6-654B-4023-B3CC-3A17D3A14472}"/>
               </a:ext>
             </a:extLst>
           </p:cNvPr>
@@ -5841,7 +5841,7 @@
           <p:cNvPr id="20" name="사각형: 둥근 모서리 88">
             <a:extLst>
               <a:ext uri="{FF2B5EF4-FFF2-40B4-BE49-F238E27FC236}">
-                <a16:creationId xmlns:a16="http://schemas.microsoft.com/office/drawing/2014/main" xmlns="" id="{DDF6AEC1-72AC-4AC7-93E1-5C2AD9C83F93}"/>
+                <a16:creationId xmlns="" xmlns:a16="http://schemas.microsoft.com/office/drawing/2014/main" id="{DDF6AEC1-72AC-4AC7-93E1-5C2AD9C83F93}"/>
               </a:ext>
             </a:extLst>
           </p:cNvPr>
@@ -5891,7 +5891,7 @@
           <p:cNvPr id="25" name="사각형: 둥근 모서리 87">
             <a:extLst>
               <a:ext uri="{FF2B5EF4-FFF2-40B4-BE49-F238E27FC236}">
-                <a16:creationId xmlns:a16="http://schemas.microsoft.com/office/drawing/2014/main" xmlns="" id="{103D79A6-654B-4023-B3CC-3A17D3A14472}"/>
+                <a16:creationId xmlns="" xmlns:a16="http://schemas.microsoft.com/office/drawing/2014/main" id="{103D79A6-654B-4023-B3CC-3A17D3A14472}"/>
               </a:ext>
             </a:extLst>
           </p:cNvPr>
@@ -5941,7 +5941,7 @@
           <p:cNvPr id="26" name="사각형: 둥근 모서리 88">
             <a:extLst>
               <a:ext uri="{FF2B5EF4-FFF2-40B4-BE49-F238E27FC236}">
-                <a16:creationId xmlns:a16="http://schemas.microsoft.com/office/drawing/2014/main" xmlns="" id="{DDF6AEC1-72AC-4AC7-93E1-5C2AD9C83F93}"/>
+                <a16:creationId xmlns="" xmlns:a16="http://schemas.microsoft.com/office/drawing/2014/main" id="{DDF6AEC1-72AC-4AC7-93E1-5C2AD9C83F93}"/>
               </a:ext>
             </a:extLst>
           </p:cNvPr>
@@ -5991,7 +5991,7 @@
           <p:cNvPr id="29" name="사각형: 둥근 모서리 88">
             <a:extLst>
               <a:ext uri="{FF2B5EF4-FFF2-40B4-BE49-F238E27FC236}">
-                <a16:creationId xmlns:a16="http://schemas.microsoft.com/office/drawing/2014/main" xmlns="" id="{DDF6AEC1-72AC-4AC7-93E1-5C2AD9C83F93}"/>
+                <a16:creationId xmlns="" xmlns:a16="http://schemas.microsoft.com/office/drawing/2014/main" id="{DDF6AEC1-72AC-4AC7-93E1-5C2AD9C83F93}"/>
               </a:ext>
             </a:extLst>
           </p:cNvPr>
@@ -6041,7 +6041,7 @@
           <p:cNvPr id="30" name="사각형: 둥근 모서리 88">
             <a:extLst>
               <a:ext uri="{FF2B5EF4-FFF2-40B4-BE49-F238E27FC236}">
-                <a16:creationId xmlns:a16="http://schemas.microsoft.com/office/drawing/2014/main" xmlns="" id="{DDF6AEC1-72AC-4AC7-93E1-5C2AD9C83F93}"/>
+                <a16:creationId xmlns="" xmlns:a16="http://schemas.microsoft.com/office/drawing/2014/main" id="{DDF6AEC1-72AC-4AC7-93E1-5C2AD9C83F93}"/>
               </a:ext>
             </a:extLst>
           </p:cNvPr>
@@ -6091,7 +6091,7 @@
           <p:cNvPr id="34" name="사각형: 둥근 모서리 87">
             <a:extLst>
               <a:ext uri="{FF2B5EF4-FFF2-40B4-BE49-F238E27FC236}">
-                <a16:creationId xmlns:a16="http://schemas.microsoft.com/office/drawing/2014/main" xmlns="" id="{103D79A6-654B-4023-B3CC-3A17D3A14472}"/>
+                <a16:creationId xmlns="" xmlns:a16="http://schemas.microsoft.com/office/drawing/2014/main" id="{103D79A6-654B-4023-B3CC-3A17D3A14472}"/>
               </a:ext>
             </a:extLst>
           </p:cNvPr>
@@ -6141,7 +6141,7 @@
           <p:cNvPr id="36" name="사각형: 둥근 모서리 87">
             <a:extLst>
               <a:ext uri="{FF2B5EF4-FFF2-40B4-BE49-F238E27FC236}">
-                <a16:creationId xmlns:a16="http://schemas.microsoft.com/office/drawing/2014/main" xmlns="" id="{103D79A6-654B-4023-B3CC-3A17D3A14472}"/>
+                <a16:creationId xmlns="" xmlns:a16="http://schemas.microsoft.com/office/drawing/2014/main" id="{103D79A6-654B-4023-B3CC-3A17D3A14472}"/>
               </a:ext>
             </a:extLst>
           </p:cNvPr>
@@ -6205,7 +6205,7 @@
           <p:cNvPr id="37" name="사각형: 둥근 모서리 88">
             <a:extLst>
               <a:ext uri="{FF2B5EF4-FFF2-40B4-BE49-F238E27FC236}">
-                <a16:creationId xmlns:a16="http://schemas.microsoft.com/office/drawing/2014/main" xmlns="" id="{DDF6AEC1-72AC-4AC7-93E1-5C2AD9C83F93}"/>
+                <a16:creationId xmlns="" xmlns:a16="http://schemas.microsoft.com/office/drawing/2014/main" id="{DDF6AEC1-72AC-4AC7-93E1-5C2AD9C83F93}"/>
               </a:ext>
             </a:extLst>
           </p:cNvPr>
@@ -6251,7 +6251,7 @@
           <p:cNvPr id="43" name="직선 연결선 42">
             <a:extLst>
               <a:ext uri="{FF2B5EF4-FFF2-40B4-BE49-F238E27FC236}">
-                <a16:creationId xmlns:a16="http://schemas.microsoft.com/office/drawing/2014/main" xmlns="" id="{A99299D2-4ABB-4DDA-BDE7-BA71B9F61E42}"/>
+                <a16:creationId xmlns="" xmlns:a16="http://schemas.microsoft.com/office/drawing/2014/main" id="{A99299D2-4ABB-4DDA-BDE7-BA71B9F61E42}"/>
               </a:ext>
             </a:extLst>
           </p:cNvPr>
@@ -6295,7 +6295,7 @@
           <p:cNvPr id="44" name="사각형: 둥근 모서리 54">
             <a:extLst>
               <a:ext uri="{FF2B5EF4-FFF2-40B4-BE49-F238E27FC236}">
-                <a16:creationId xmlns:a16="http://schemas.microsoft.com/office/drawing/2014/main" xmlns="" id="{54191E13-9C02-445B-A0E9-860191A5017D}"/>
+                <a16:creationId xmlns="" xmlns:a16="http://schemas.microsoft.com/office/drawing/2014/main" id="{54191E13-9C02-445B-A0E9-860191A5017D}"/>
               </a:ext>
             </a:extLst>
           </p:cNvPr>
@@ -6349,7 +6349,7 @@
           <p:cNvPr id="48" name="사각형: 둥근 모서리 88">
             <a:extLst>
               <a:ext uri="{FF2B5EF4-FFF2-40B4-BE49-F238E27FC236}">
-                <a16:creationId xmlns:a16="http://schemas.microsoft.com/office/drawing/2014/main" xmlns="" id="{DDF6AEC1-72AC-4AC7-93E1-5C2AD9C83F93}"/>
+                <a16:creationId xmlns="" xmlns:a16="http://schemas.microsoft.com/office/drawing/2014/main" id="{DDF6AEC1-72AC-4AC7-93E1-5C2AD9C83F93}"/>
               </a:ext>
             </a:extLst>
           </p:cNvPr>
@@ -6410,7 +6410,7 @@
           <p:cNvPr id="49" name="사각형: 둥근 모서리 88">
             <a:extLst>
               <a:ext uri="{FF2B5EF4-FFF2-40B4-BE49-F238E27FC236}">
-                <a16:creationId xmlns:a16="http://schemas.microsoft.com/office/drawing/2014/main" xmlns="" id="{DDF6AEC1-72AC-4AC7-93E1-5C2AD9C83F93}"/>
+                <a16:creationId xmlns="" xmlns:a16="http://schemas.microsoft.com/office/drawing/2014/main" id="{DDF6AEC1-72AC-4AC7-93E1-5C2AD9C83F93}"/>
               </a:ext>
             </a:extLst>
           </p:cNvPr>
@@ -6471,7 +6471,7 @@
           <p:cNvPr id="51" name="사각형: 둥근 모서리 88">
             <a:extLst>
               <a:ext uri="{FF2B5EF4-FFF2-40B4-BE49-F238E27FC236}">
-                <a16:creationId xmlns:a16="http://schemas.microsoft.com/office/drawing/2014/main" xmlns="" id="{DDF6AEC1-72AC-4AC7-93E1-5C2AD9C83F93}"/>
+                <a16:creationId xmlns="" xmlns:a16="http://schemas.microsoft.com/office/drawing/2014/main" id="{DDF6AEC1-72AC-4AC7-93E1-5C2AD9C83F93}"/>
               </a:ext>
             </a:extLst>
           </p:cNvPr>
@@ -6532,7 +6532,7 @@
           <p:cNvPr id="52" name="사각형: 둥근 모서리 88">
             <a:extLst>
               <a:ext uri="{FF2B5EF4-FFF2-40B4-BE49-F238E27FC236}">
-                <a16:creationId xmlns:a16="http://schemas.microsoft.com/office/drawing/2014/main" xmlns="" id="{DDF6AEC1-72AC-4AC7-93E1-5C2AD9C83F93}"/>
+                <a16:creationId xmlns="" xmlns:a16="http://schemas.microsoft.com/office/drawing/2014/main" id="{DDF6AEC1-72AC-4AC7-93E1-5C2AD9C83F93}"/>
               </a:ext>
             </a:extLst>
           </p:cNvPr>
@@ -6593,7 +6593,7 @@
           <p:cNvPr id="54" name="사각형: 둥근 모서리 88">
             <a:extLst>
               <a:ext uri="{FF2B5EF4-FFF2-40B4-BE49-F238E27FC236}">
-                <a16:creationId xmlns:a16="http://schemas.microsoft.com/office/drawing/2014/main" xmlns="" id="{DDF6AEC1-72AC-4AC7-93E1-5C2AD9C83F93}"/>
+                <a16:creationId xmlns="" xmlns:a16="http://schemas.microsoft.com/office/drawing/2014/main" id="{DDF6AEC1-72AC-4AC7-93E1-5C2AD9C83F93}"/>
               </a:ext>
             </a:extLst>
           </p:cNvPr>
@@ -6654,7 +6654,7 @@
           <p:cNvPr id="56" name="사각형: 둥근 모서리 88">
             <a:extLst>
               <a:ext uri="{FF2B5EF4-FFF2-40B4-BE49-F238E27FC236}">
-                <a16:creationId xmlns:a16="http://schemas.microsoft.com/office/drawing/2014/main" xmlns="" id="{DDF6AEC1-72AC-4AC7-93E1-5C2AD9C83F93}"/>
+                <a16:creationId xmlns="" xmlns:a16="http://schemas.microsoft.com/office/drawing/2014/main" id="{DDF6AEC1-72AC-4AC7-93E1-5C2AD9C83F93}"/>
               </a:ext>
             </a:extLst>
           </p:cNvPr>
@@ -6715,7 +6715,7 @@
           <p:cNvPr id="57" name="사각형: 둥근 모서리 88">
             <a:extLst>
               <a:ext uri="{FF2B5EF4-FFF2-40B4-BE49-F238E27FC236}">
-                <a16:creationId xmlns:a16="http://schemas.microsoft.com/office/drawing/2014/main" xmlns="" id="{DDF6AEC1-72AC-4AC7-93E1-5C2AD9C83F93}"/>
+                <a16:creationId xmlns="" xmlns:a16="http://schemas.microsoft.com/office/drawing/2014/main" id="{DDF6AEC1-72AC-4AC7-93E1-5C2AD9C83F93}"/>
               </a:ext>
             </a:extLst>
           </p:cNvPr>
@@ -6776,7 +6776,7 @@
           <p:cNvPr id="59" name="직선 연결선 58">
             <a:extLst>
               <a:ext uri="{FF2B5EF4-FFF2-40B4-BE49-F238E27FC236}">
-                <a16:creationId xmlns:a16="http://schemas.microsoft.com/office/drawing/2014/main" xmlns="" id="{A99299D2-4ABB-4DDA-BDE7-BA71B9F61E42}"/>
+                <a16:creationId xmlns="" xmlns:a16="http://schemas.microsoft.com/office/drawing/2014/main" id="{A99299D2-4ABB-4DDA-BDE7-BA71B9F61E42}"/>
               </a:ext>
             </a:extLst>
           </p:cNvPr>
@@ -6820,7 +6820,7 @@
           <p:cNvPr id="60" name="직선 화살표 연결선 59">
             <a:extLst>
               <a:ext uri="{FF2B5EF4-FFF2-40B4-BE49-F238E27FC236}">
-                <a16:creationId xmlns:a16="http://schemas.microsoft.com/office/drawing/2014/main" xmlns="" id="{C57CA143-10BC-4F75-BDEC-0F96FACB1144}"/>
+                <a16:creationId xmlns="" xmlns:a16="http://schemas.microsoft.com/office/drawing/2014/main" id="{C57CA143-10BC-4F75-BDEC-0F96FACB1144}"/>
               </a:ext>
             </a:extLst>
           </p:cNvPr>
@@ -6865,7 +6865,7 @@
           <p:cNvPr id="61" name="직선 화살표 연결선 60">
             <a:extLst>
               <a:ext uri="{FF2B5EF4-FFF2-40B4-BE49-F238E27FC236}">
-                <a16:creationId xmlns:a16="http://schemas.microsoft.com/office/drawing/2014/main" xmlns="" id="{C57CA143-10BC-4F75-BDEC-0F96FACB1144}"/>
+                <a16:creationId xmlns="" xmlns:a16="http://schemas.microsoft.com/office/drawing/2014/main" id="{C57CA143-10BC-4F75-BDEC-0F96FACB1144}"/>
               </a:ext>
             </a:extLst>
           </p:cNvPr>
@@ -6912,7 +6912,7 @@
           <p:cNvPr id="62" name="직선 화살표 연결선 61">
             <a:extLst>
               <a:ext uri="{FF2B5EF4-FFF2-40B4-BE49-F238E27FC236}">
-                <a16:creationId xmlns:a16="http://schemas.microsoft.com/office/drawing/2014/main" xmlns="" id="{C57CA143-10BC-4F75-BDEC-0F96FACB1144}"/>
+                <a16:creationId xmlns="" xmlns:a16="http://schemas.microsoft.com/office/drawing/2014/main" id="{C57CA143-10BC-4F75-BDEC-0F96FACB1144}"/>
               </a:ext>
             </a:extLst>
           </p:cNvPr>
@@ -6959,7 +6959,7 @@
           <p:cNvPr id="63" name="직선 화살표 연결선 62">
             <a:extLst>
               <a:ext uri="{FF2B5EF4-FFF2-40B4-BE49-F238E27FC236}">
-                <a16:creationId xmlns:a16="http://schemas.microsoft.com/office/drawing/2014/main" xmlns="" id="{C57CA143-10BC-4F75-BDEC-0F96FACB1144}"/>
+                <a16:creationId xmlns="" xmlns:a16="http://schemas.microsoft.com/office/drawing/2014/main" id="{C57CA143-10BC-4F75-BDEC-0F96FACB1144}"/>
               </a:ext>
             </a:extLst>
           </p:cNvPr>
@@ -7006,7 +7006,7 @@
           <p:cNvPr id="64" name="직선 화살표 연결선 63">
             <a:extLst>
               <a:ext uri="{FF2B5EF4-FFF2-40B4-BE49-F238E27FC236}">
-                <a16:creationId xmlns:a16="http://schemas.microsoft.com/office/drawing/2014/main" xmlns="" id="{C57CA143-10BC-4F75-BDEC-0F96FACB1144}"/>
+                <a16:creationId xmlns="" xmlns:a16="http://schemas.microsoft.com/office/drawing/2014/main" id="{C57CA143-10BC-4F75-BDEC-0F96FACB1144}"/>
               </a:ext>
             </a:extLst>
           </p:cNvPr>
@@ -7052,7 +7052,7 @@
           <p:cNvPr id="66" name="사각형: 둥근 모서리 54">
             <a:extLst>
               <a:ext uri="{FF2B5EF4-FFF2-40B4-BE49-F238E27FC236}">
-                <a16:creationId xmlns:a16="http://schemas.microsoft.com/office/drawing/2014/main" xmlns="" id="{54191E13-9C02-445B-A0E9-860191A5017D}"/>
+                <a16:creationId xmlns="" xmlns:a16="http://schemas.microsoft.com/office/drawing/2014/main" id="{54191E13-9C02-445B-A0E9-860191A5017D}"/>
               </a:ext>
             </a:extLst>
           </p:cNvPr>
@@ -7106,7 +7106,7 @@
           <p:cNvPr id="67" name="사각형: 둥근 모서리 54">
             <a:extLst>
               <a:ext uri="{FF2B5EF4-FFF2-40B4-BE49-F238E27FC236}">
-                <a16:creationId xmlns:a16="http://schemas.microsoft.com/office/drawing/2014/main" xmlns="" id="{54191E13-9C02-445B-A0E9-860191A5017D}"/>
+                <a16:creationId xmlns="" xmlns:a16="http://schemas.microsoft.com/office/drawing/2014/main" id="{54191E13-9C02-445B-A0E9-860191A5017D}"/>
               </a:ext>
             </a:extLst>
           </p:cNvPr>
@@ -7160,7 +7160,7 @@
           <p:cNvPr id="68" name="사각형: 둥근 모서리 54">
             <a:extLst>
               <a:ext uri="{FF2B5EF4-FFF2-40B4-BE49-F238E27FC236}">
-                <a16:creationId xmlns:a16="http://schemas.microsoft.com/office/drawing/2014/main" xmlns="" id="{54191E13-9C02-445B-A0E9-860191A5017D}"/>
+                <a16:creationId xmlns="" xmlns:a16="http://schemas.microsoft.com/office/drawing/2014/main" id="{54191E13-9C02-445B-A0E9-860191A5017D}"/>
               </a:ext>
             </a:extLst>
           </p:cNvPr>

--- a/images/theory_analysis/JVM/JVM.pptx
+++ b/images/theory_analysis/JVM/JVM.pptx
@@ -111,7 +111,7 @@
   </p:defaultTextStyle>
   <p:extLst>
     <p:ext uri="{EFAFB233-063F-42B5-8137-9DF3F51BA10A}">
-      <p15:sldGuideLst xmlns="" xmlns:p15="http://schemas.microsoft.com/office/powerpoint/2012/main">
+      <p15:sldGuideLst xmlns:p15="http://schemas.microsoft.com/office/powerpoint/2012/main" xmlns="">
         <p15:guide id="1" orient="horz" pos="2160">
           <p15:clr>
             <a:srgbClr val="A4A3A4"/>
@@ -219,7 +219,7 @@
           <a:p>
             <a:fld id="{6CD5550B-26C4-49A9-A5BA-636EF7BE6CE9}" type="datetimeFigureOut">
               <a:rPr lang="ko-KR" altLang="en-US" smtClean="0"/>
-              <a:t>2017-11-20</a:t>
+              <a:t>2017-11-22</a:t>
             </a:fld>
             <a:endParaRPr lang="ko-KR" altLang="en-US"/>
           </a:p>
@@ -917,7 +917,7 @@
           <a:p>
             <a:fld id="{FB30EDBD-1C2D-4C1E-B459-B60219FAB484}" type="datetimeFigureOut">
               <a:rPr lang="ko-KR" altLang="en-US" smtClean="0"/>
-              <a:t>2017-11-20</a:t>
+              <a:t>2017-11-22</a:t>
             </a:fld>
             <a:endParaRPr lang="ko-KR" altLang="en-US"/>
           </a:p>
@@ -1080,7 +1080,7 @@
           <a:p>
             <a:fld id="{FB30EDBD-1C2D-4C1E-B459-B60219FAB484}" type="datetimeFigureOut">
               <a:rPr lang="ko-KR" altLang="en-US" smtClean="0"/>
-              <a:t>2017-11-20</a:t>
+              <a:t>2017-11-22</a:t>
             </a:fld>
             <a:endParaRPr lang="ko-KR" altLang="en-US"/>
           </a:p>
@@ -1253,7 +1253,7 @@
           <a:p>
             <a:fld id="{FB30EDBD-1C2D-4C1E-B459-B60219FAB484}" type="datetimeFigureOut">
               <a:rPr lang="ko-KR" altLang="en-US" smtClean="0"/>
-              <a:t>2017-11-20</a:t>
+              <a:t>2017-11-22</a:t>
             </a:fld>
             <a:endParaRPr lang="ko-KR" altLang="en-US"/>
           </a:p>
@@ -1416,7 +1416,7 @@
           <a:p>
             <a:fld id="{FB30EDBD-1C2D-4C1E-B459-B60219FAB484}" type="datetimeFigureOut">
               <a:rPr lang="ko-KR" altLang="en-US" smtClean="0"/>
-              <a:t>2017-11-20</a:t>
+              <a:t>2017-11-22</a:t>
             </a:fld>
             <a:endParaRPr lang="ko-KR" altLang="en-US"/>
           </a:p>
@@ -1656,7 +1656,7 @@
           <a:p>
             <a:fld id="{FB30EDBD-1C2D-4C1E-B459-B60219FAB484}" type="datetimeFigureOut">
               <a:rPr lang="ko-KR" altLang="en-US" smtClean="0"/>
-              <a:t>2017-11-20</a:t>
+              <a:t>2017-11-22</a:t>
             </a:fld>
             <a:endParaRPr lang="ko-KR" altLang="en-US"/>
           </a:p>
@@ -1936,7 +1936,7 @@
           <a:p>
             <a:fld id="{FB30EDBD-1C2D-4C1E-B459-B60219FAB484}" type="datetimeFigureOut">
               <a:rPr lang="ko-KR" altLang="en-US" smtClean="0"/>
-              <a:t>2017-11-20</a:t>
+              <a:t>2017-11-22</a:t>
             </a:fld>
             <a:endParaRPr lang="ko-KR" altLang="en-US"/>
           </a:p>
@@ -2350,7 +2350,7 @@
           <a:p>
             <a:fld id="{FB30EDBD-1C2D-4C1E-B459-B60219FAB484}" type="datetimeFigureOut">
               <a:rPr lang="ko-KR" altLang="en-US" smtClean="0"/>
-              <a:t>2017-11-20</a:t>
+              <a:t>2017-11-22</a:t>
             </a:fld>
             <a:endParaRPr lang="ko-KR" altLang="en-US"/>
           </a:p>
@@ -2462,7 +2462,7 @@
           <a:p>
             <a:fld id="{FB30EDBD-1C2D-4C1E-B459-B60219FAB484}" type="datetimeFigureOut">
               <a:rPr lang="ko-KR" altLang="en-US" smtClean="0"/>
-              <a:t>2017-11-20</a:t>
+              <a:t>2017-11-22</a:t>
             </a:fld>
             <a:endParaRPr lang="ko-KR" altLang="en-US"/>
           </a:p>
@@ -2552,7 +2552,7 @@
           <a:p>
             <a:fld id="{FB30EDBD-1C2D-4C1E-B459-B60219FAB484}" type="datetimeFigureOut">
               <a:rPr lang="ko-KR" altLang="en-US" smtClean="0"/>
-              <a:t>2017-11-20</a:t>
+              <a:t>2017-11-22</a:t>
             </a:fld>
             <a:endParaRPr lang="ko-KR" altLang="en-US"/>
           </a:p>
@@ -2822,7 +2822,7 @@
           <a:p>
             <a:fld id="{FB30EDBD-1C2D-4C1E-B459-B60219FAB484}" type="datetimeFigureOut">
               <a:rPr lang="ko-KR" altLang="en-US" smtClean="0"/>
-              <a:t>2017-11-20</a:t>
+              <a:t>2017-11-22</a:t>
             </a:fld>
             <a:endParaRPr lang="ko-KR" altLang="en-US"/>
           </a:p>
@@ -3069,7 +3069,7 @@
           <a:p>
             <a:fld id="{FB30EDBD-1C2D-4C1E-B459-B60219FAB484}" type="datetimeFigureOut">
               <a:rPr lang="ko-KR" altLang="en-US" smtClean="0"/>
-              <a:t>2017-11-20</a:t>
+              <a:t>2017-11-22</a:t>
             </a:fld>
             <a:endParaRPr lang="ko-KR" altLang="en-US"/>
           </a:p>
@@ -3275,7 +3275,7 @@
           <a:p>
             <a:fld id="{FB30EDBD-1C2D-4C1E-B459-B60219FAB484}" type="datetimeFigureOut">
               <a:rPr lang="ko-KR" altLang="en-US" smtClean="0"/>
-              <a:t>2017-11-20</a:t>
+              <a:t>2017-11-22</a:t>
             </a:fld>
             <a:endParaRPr lang="ko-KR" altLang="en-US"/>
           </a:p>
@@ -3686,7 +3686,7 @@
           <p:cNvPr id="5" name="사각형: 둥근 모서리 4">
             <a:extLst>
               <a:ext uri="{FF2B5EF4-FFF2-40B4-BE49-F238E27FC236}">
-                <a16:creationId xmlns="" xmlns:a16="http://schemas.microsoft.com/office/drawing/2014/main" id="{AC14FF3C-BEF2-4BFB-B6B1-9FFE7B195D55}"/>
+                <a16:creationId xmlns:a16="http://schemas.microsoft.com/office/drawing/2014/main" xmlns="" id="{AC14FF3C-BEF2-4BFB-B6B1-9FFE7B195D55}"/>
               </a:ext>
             </a:extLst>
           </p:cNvPr>
@@ -3736,7 +3736,7 @@
           <p:cNvPr id="33" name="사각형: 둥근 모서리 32">
             <a:extLst>
               <a:ext uri="{FF2B5EF4-FFF2-40B4-BE49-F238E27FC236}">
-                <a16:creationId xmlns="" xmlns:a16="http://schemas.microsoft.com/office/drawing/2014/main" id="{0ED80822-E913-4A6C-ADAC-5DA27FAF8CE4}"/>
+                <a16:creationId xmlns:a16="http://schemas.microsoft.com/office/drawing/2014/main" xmlns="" id="{0ED80822-E913-4A6C-ADAC-5DA27FAF8CE4}"/>
               </a:ext>
             </a:extLst>
           </p:cNvPr>
@@ -3786,7 +3786,7 @@
           <p:cNvPr id="34" name="사각형: 둥근 모서리 33">
             <a:extLst>
               <a:ext uri="{FF2B5EF4-FFF2-40B4-BE49-F238E27FC236}">
-                <a16:creationId xmlns="" xmlns:a16="http://schemas.microsoft.com/office/drawing/2014/main" id="{13890B0C-1BD2-4E04-9707-4D40419B4199}"/>
+                <a16:creationId xmlns:a16="http://schemas.microsoft.com/office/drawing/2014/main" xmlns="" id="{13890B0C-1BD2-4E04-9707-4D40419B4199}"/>
               </a:ext>
             </a:extLst>
           </p:cNvPr>
@@ -3836,7 +3836,7 @@
           <p:cNvPr id="35" name="사각형: 둥근 모서리 34">
             <a:extLst>
               <a:ext uri="{FF2B5EF4-FFF2-40B4-BE49-F238E27FC236}">
-                <a16:creationId xmlns="" xmlns:a16="http://schemas.microsoft.com/office/drawing/2014/main" id="{3B688963-A02A-4DA1-8BBD-5F37E7C46BAC}"/>
+                <a16:creationId xmlns:a16="http://schemas.microsoft.com/office/drawing/2014/main" xmlns="" id="{3B688963-A02A-4DA1-8BBD-5F37E7C46BAC}"/>
               </a:ext>
             </a:extLst>
           </p:cNvPr>
@@ -3893,7 +3893,7 @@
           <p:cNvPr id="36" name="사각형: 둥근 모서리 35">
             <a:extLst>
               <a:ext uri="{FF2B5EF4-FFF2-40B4-BE49-F238E27FC236}">
-                <a16:creationId xmlns="" xmlns:a16="http://schemas.microsoft.com/office/drawing/2014/main" id="{5FB5E565-2567-4717-A20A-144566F7E642}"/>
+                <a16:creationId xmlns:a16="http://schemas.microsoft.com/office/drawing/2014/main" xmlns="" id="{5FB5E565-2567-4717-A20A-144566F7E642}"/>
               </a:ext>
             </a:extLst>
           </p:cNvPr>
@@ -3950,7 +3950,7 @@
           <p:cNvPr id="37" name="사각형: 둥근 모서리 36">
             <a:extLst>
               <a:ext uri="{FF2B5EF4-FFF2-40B4-BE49-F238E27FC236}">
-                <a16:creationId xmlns="" xmlns:a16="http://schemas.microsoft.com/office/drawing/2014/main" id="{4018AE8C-637E-4015-9FAC-B75C5DE033F6}"/>
+                <a16:creationId xmlns:a16="http://schemas.microsoft.com/office/drawing/2014/main" xmlns="" id="{4018AE8C-637E-4015-9FAC-B75C5DE033F6}"/>
               </a:ext>
             </a:extLst>
           </p:cNvPr>
@@ -4007,7 +4007,7 @@
           <p:cNvPr id="38" name="사각형: 둥근 모서리 37">
             <a:extLst>
               <a:ext uri="{FF2B5EF4-FFF2-40B4-BE49-F238E27FC236}">
-                <a16:creationId xmlns="" xmlns:a16="http://schemas.microsoft.com/office/drawing/2014/main" id="{34F82070-9396-4146-A0A3-40CCD4B79434}"/>
+                <a16:creationId xmlns:a16="http://schemas.microsoft.com/office/drawing/2014/main" xmlns="" id="{34F82070-9396-4146-A0A3-40CCD4B79434}"/>
               </a:ext>
             </a:extLst>
           </p:cNvPr>
@@ -4064,7 +4064,7 @@
           <p:cNvPr id="8" name="직선 화살표 연결선 7">
             <a:extLst>
               <a:ext uri="{FF2B5EF4-FFF2-40B4-BE49-F238E27FC236}">
-                <a16:creationId xmlns="" xmlns:a16="http://schemas.microsoft.com/office/drawing/2014/main" id="{99455ECB-1F8C-4A67-8ED0-95F7265627E7}"/>
+                <a16:creationId xmlns:a16="http://schemas.microsoft.com/office/drawing/2014/main" xmlns="" id="{99455ECB-1F8C-4A67-8ED0-95F7265627E7}"/>
               </a:ext>
             </a:extLst>
           </p:cNvPr>
@@ -4110,7 +4110,7 @@
           <p:cNvPr id="41" name="직선 화살표 연결선 40">
             <a:extLst>
               <a:ext uri="{FF2B5EF4-FFF2-40B4-BE49-F238E27FC236}">
-                <a16:creationId xmlns="" xmlns:a16="http://schemas.microsoft.com/office/drawing/2014/main" id="{31C68760-505D-47D4-89A6-7108E811D63E}"/>
+                <a16:creationId xmlns:a16="http://schemas.microsoft.com/office/drawing/2014/main" xmlns="" id="{31C68760-505D-47D4-89A6-7108E811D63E}"/>
               </a:ext>
             </a:extLst>
           </p:cNvPr>
@@ -4156,7 +4156,7 @@
           <p:cNvPr id="50" name="직선 화살표 연결선 49">
             <a:extLst>
               <a:ext uri="{FF2B5EF4-FFF2-40B4-BE49-F238E27FC236}">
-                <a16:creationId xmlns="" xmlns:a16="http://schemas.microsoft.com/office/drawing/2014/main" id="{85F2B56F-8F96-4775-9981-CCCBF721116A}"/>
+                <a16:creationId xmlns:a16="http://schemas.microsoft.com/office/drawing/2014/main" xmlns="" id="{85F2B56F-8F96-4775-9981-CCCBF721116A}"/>
               </a:ext>
             </a:extLst>
           </p:cNvPr>
@@ -4203,7 +4203,7 @@
           <p:cNvPr id="54" name="직선 화살표 연결선 53">
             <a:extLst>
               <a:ext uri="{FF2B5EF4-FFF2-40B4-BE49-F238E27FC236}">
-                <a16:creationId xmlns="" xmlns:a16="http://schemas.microsoft.com/office/drawing/2014/main" id="{6C64DF22-313E-44EB-A9CB-D52253B3C3F2}"/>
+                <a16:creationId xmlns:a16="http://schemas.microsoft.com/office/drawing/2014/main" xmlns="" id="{6C64DF22-313E-44EB-A9CB-D52253B3C3F2}"/>
               </a:ext>
             </a:extLst>
           </p:cNvPr>
@@ -4250,7 +4250,7 @@
           <p:cNvPr id="70" name="사각형: 둥근 모서리 69">
             <a:extLst>
               <a:ext uri="{FF2B5EF4-FFF2-40B4-BE49-F238E27FC236}">
-                <a16:creationId xmlns="" xmlns:a16="http://schemas.microsoft.com/office/drawing/2014/main" id="{8C42BF44-1202-42C6-8089-8371A4435DBA}"/>
+                <a16:creationId xmlns:a16="http://schemas.microsoft.com/office/drawing/2014/main" xmlns="" id="{8C42BF44-1202-42C6-8089-8371A4435DBA}"/>
               </a:ext>
             </a:extLst>
           </p:cNvPr>
@@ -4300,7 +4300,7 @@
           <p:cNvPr id="71" name="사각형: 둥근 모서리 70">
             <a:extLst>
               <a:ext uri="{FF2B5EF4-FFF2-40B4-BE49-F238E27FC236}">
-                <a16:creationId xmlns="" xmlns:a16="http://schemas.microsoft.com/office/drawing/2014/main" id="{F8FA75F0-BEED-444F-A182-0749C1041842}"/>
+                <a16:creationId xmlns:a16="http://schemas.microsoft.com/office/drawing/2014/main" xmlns="" id="{F8FA75F0-BEED-444F-A182-0749C1041842}"/>
               </a:ext>
             </a:extLst>
           </p:cNvPr>
@@ -4350,7 +4350,7 @@
           <p:cNvPr id="77" name="사각형: 둥근 모서리 76">
             <a:extLst>
               <a:ext uri="{FF2B5EF4-FFF2-40B4-BE49-F238E27FC236}">
-                <a16:creationId xmlns="" xmlns:a16="http://schemas.microsoft.com/office/drawing/2014/main" id="{A880534C-3EBA-4B7A-8D9D-9C19B29068A2}"/>
+                <a16:creationId xmlns:a16="http://schemas.microsoft.com/office/drawing/2014/main" xmlns="" id="{A880534C-3EBA-4B7A-8D9D-9C19B29068A2}"/>
               </a:ext>
             </a:extLst>
           </p:cNvPr>
@@ -4389,7 +4389,11 @@
             <a:pPr algn="ctr"/>
             <a:r>
               <a:rPr lang="en-US" altLang="ko-KR" sz="1200" dirty="0"/>
-              <a:t>Garbage Collection</a:t>
+              <a:t>Garbage </a:t>
+            </a:r>
+            <a:r>
+              <a:rPr lang="en-US" altLang="ko-KR" sz="1200" dirty="0" smtClean="0"/>
+              <a:t>Collector</a:t>
             </a:r>
             <a:endParaRPr lang="ko-KR" altLang="en-US" sz="1200" dirty="0"/>
           </a:p>
@@ -4400,7 +4404,7 @@
           <p:cNvPr id="88" name="사각형: 둥근 모서리 87">
             <a:extLst>
               <a:ext uri="{FF2B5EF4-FFF2-40B4-BE49-F238E27FC236}">
-                <a16:creationId xmlns="" xmlns:a16="http://schemas.microsoft.com/office/drawing/2014/main" id="{103D79A6-654B-4023-B3CC-3A17D3A14472}"/>
+                <a16:creationId xmlns:a16="http://schemas.microsoft.com/office/drawing/2014/main" xmlns="" id="{103D79A6-654B-4023-B3CC-3A17D3A14472}"/>
               </a:ext>
             </a:extLst>
           </p:cNvPr>
@@ -4450,7 +4454,7 @@
           <p:cNvPr id="89" name="사각형: 둥근 모서리 88">
             <a:extLst>
               <a:ext uri="{FF2B5EF4-FFF2-40B4-BE49-F238E27FC236}">
-                <a16:creationId xmlns="" xmlns:a16="http://schemas.microsoft.com/office/drawing/2014/main" id="{DDF6AEC1-72AC-4AC7-93E1-5C2AD9C83F93}"/>
+                <a16:creationId xmlns:a16="http://schemas.microsoft.com/office/drawing/2014/main" xmlns="" id="{DDF6AEC1-72AC-4AC7-93E1-5C2AD9C83F93}"/>
               </a:ext>
             </a:extLst>
           </p:cNvPr>
@@ -4500,7 +4504,7 @@
           <p:cNvPr id="90" name="사각형: 둥근 모서리 89">
             <a:extLst>
               <a:ext uri="{FF2B5EF4-FFF2-40B4-BE49-F238E27FC236}">
-                <a16:creationId xmlns="" xmlns:a16="http://schemas.microsoft.com/office/drawing/2014/main" id="{D6DDBD61-0419-4C6E-AFB9-993C5E98B44B}"/>
+                <a16:creationId xmlns:a16="http://schemas.microsoft.com/office/drawing/2014/main" xmlns="" id="{D6DDBD61-0419-4C6E-AFB9-993C5E98B44B}"/>
               </a:ext>
             </a:extLst>
           </p:cNvPr>
@@ -4550,7 +4554,7 @@
           <p:cNvPr id="91" name="사각형: 둥근 모서리 90">
             <a:extLst>
               <a:ext uri="{FF2B5EF4-FFF2-40B4-BE49-F238E27FC236}">
-                <a16:creationId xmlns="" xmlns:a16="http://schemas.microsoft.com/office/drawing/2014/main" id="{164CD56E-83E0-4794-A85C-7C7978701577}"/>
+                <a16:creationId xmlns:a16="http://schemas.microsoft.com/office/drawing/2014/main" xmlns="" id="{164CD56E-83E0-4794-A85C-7C7978701577}"/>
               </a:ext>
             </a:extLst>
           </p:cNvPr>
@@ -4607,7 +4611,7 @@
           <p:cNvPr id="92" name="사각형: 둥근 모서리 91">
             <a:extLst>
               <a:ext uri="{FF2B5EF4-FFF2-40B4-BE49-F238E27FC236}">
-                <a16:creationId xmlns="" xmlns:a16="http://schemas.microsoft.com/office/drawing/2014/main" id="{2CFF8DDA-B67F-4B62-83E7-043F87F0C3F2}"/>
+                <a16:creationId xmlns:a16="http://schemas.microsoft.com/office/drawing/2014/main" xmlns="" id="{2CFF8DDA-B67F-4B62-83E7-043F87F0C3F2}"/>
               </a:ext>
             </a:extLst>
           </p:cNvPr>
@@ -4664,7 +4668,7 @@
           <p:cNvPr id="93" name="사각형: 둥근 모서리 92">
             <a:extLst>
               <a:ext uri="{FF2B5EF4-FFF2-40B4-BE49-F238E27FC236}">
-                <a16:creationId xmlns="" xmlns:a16="http://schemas.microsoft.com/office/drawing/2014/main" id="{BD280C96-8495-4F44-93C1-FDBAFD1DE9E3}"/>
+                <a16:creationId xmlns:a16="http://schemas.microsoft.com/office/drawing/2014/main" xmlns="" id="{BD280C96-8495-4F44-93C1-FDBAFD1DE9E3}"/>
               </a:ext>
             </a:extLst>
           </p:cNvPr>
@@ -4721,7 +4725,7 @@
           <p:cNvPr id="102" name="사각형: 둥근 모서리 101">
             <a:extLst>
               <a:ext uri="{FF2B5EF4-FFF2-40B4-BE49-F238E27FC236}">
-                <a16:creationId xmlns="" xmlns:a16="http://schemas.microsoft.com/office/drawing/2014/main" id="{1D13DC85-E544-4055-84D5-1D33BFF30AEB}"/>
+                <a16:creationId xmlns:a16="http://schemas.microsoft.com/office/drawing/2014/main" xmlns="" id="{1D13DC85-E544-4055-84D5-1D33BFF30AEB}"/>
               </a:ext>
             </a:extLst>
           </p:cNvPr>
@@ -4771,7 +4775,7 @@
           <p:cNvPr id="103" name="직선 화살표 연결선 102">
             <a:extLst>
               <a:ext uri="{FF2B5EF4-FFF2-40B4-BE49-F238E27FC236}">
-                <a16:creationId xmlns="" xmlns:a16="http://schemas.microsoft.com/office/drawing/2014/main" id="{17E7CE9C-E8F1-4271-B6B7-0AB5298D744B}"/>
+                <a16:creationId xmlns:a16="http://schemas.microsoft.com/office/drawing/2014/main" xmlns="" id="{17E7CE9C-E8F1-4271-B6B7-0AB5298D744B}"/>
               </a:ext>
             </a:extLst>
           </p:cNvPr>
@@ -4818,7 +4822,7 @@
           <p:cNvPr id="58" name="직선 화살표 연결선 57">
             <a:extLst>
               <a:ext uri="{FF2B5EF4-FFF2-40B4-BE49-F238E27FC236}">
-                <a16:creationId xmlns="" xmlns:a16="http://schemas.microsoft.com/office/drawing/2014/main" id="{0312F228-A530-4215-B0ED-105D8CA8EE04}"/>
+                <a16:creationId xmlns:a16="http://schemas.microsoft.com/office/drawing/2014/main" xmlns="" id="{0312F228-A530-4215-B0ED-105D8CA8EE04}"/>
               </a:ext>
             </a:extLst>
           </p:cNvPr>
@@ -4923,7 +4927,7 @@
           <p:cNvPr id="21" name="사각형: 둥근 모서리 20">
             <a:extLst>
               <a:ext uri="{FF2B5EF4-FFF2-40B4-BE49-F238E27FC236}">
-                <a16:creationId xmlns="" xmlns:a16="http://schemas.microsoft.com/office/drawing/2014/main" id="{7A0F6361-BCF8-4E4B-8C49-8129BEC66181}"/>
+                <a16:creationId xmlns:a16="http://schemas.microsoft.com/office/drawing/2014/main" xmlns="" id="{7A0F6361-BCF8-4E4B-8C49-8129BEC66181}"/>
               </a:ext>
             </a:extLst>
           </p:cNvPr>
@@ -4980,7 +4984,7 @@
           <p:cNvPr id="22" name="사각형: 둥근 모서리 21">
             <a:extLst>
               <a:ext uri="{FF2B5EF4-FFF2-40B4-BE49-F238E27FC236}">
-                <a16:creationId xmlns="" xmlns:a16="http://schemas.microsoft.com/office/drawing/2014/main" id="{C2C658F1-203A-4CDF-8931-3304CF62B43D}"/>
+                <a16:creationId xmlns:a16="http://schemas.microsoft.com/office/drawing/2014/main" xmlns="" id="{C2C658F1-203A-4CDF-8931-3304CF62B43D}"/>
               </a:ext>
             </a:extLst>
           </p:cNvPr>
@@ -5037,7 +5041,7 @@
           <p:cNvPr id="23" name="사각형: 둥근 모서리 22">
             <a:extLst>
               <a:ext uri="{FF2B5EF4-FFF2-40B4-BE49-F238E27FC236}">
-                <a16:creationId xmlns="" xmlns:a16="http://schemas.microsoft.com/office/drawing/2014/main" id="{0D76C54C-A3BE-4D61-8005-DC7C77DFCD0C}"/>
+                <a16:creationId xmlns:a16="http://schemas.microsoft.com/office/drawing/2014/main" xmlns="" id="{0D76C54C-A3BE-4D61-8005-DC7C77DFCD0C}"/>
               </a:ext>
             </a:extLst>
           </p:cNvPr>
@@ -5094,7 +5098,7 @@
           <p:cNvPr id="24" name="직선 화살표 연결선 23">
             <a:extLst>
               <a:ext uri="{FF2B5EF4-FFF2-40B4-BE49-F238E27FC236}">
-                <a16:creationId xmlns="" xmlns:a16="http://schemas.microsoft.com/office/drawing/2014/main" id="{4B07A47B-E3B4-4132-9E09-E638E5020D29}"/>
+                <a16:creationId xmlns:a16="http://schemas.microsoft.com/office/drawing/2014/main" xmlns="" id="{4B07A47B-E3B4-4132-9E09-E638E5020D29}"/>
               </a:ext>
             </a:extLst>
           </p:cNvPr>
@@ -5141,7 +5145,7 @@
           <p:cNvPr id="27" name="직선 화살표 연결선 26">
             <a:extLst>
               <a:ext uri="{FF2B5EF4-FFF2-40B4-BE49-F238E27FC236}">
-                <a16:creationId xmlns="" xmlns:a16="http://schemas.microsoft.com/office/drawing/2014/main" id="{C57CA143-10BC-4F75-BDEC-0F96FACB1144}"/>
+                <a16:creationId xmlns:a16="http://schemas.microsoft.com/office/drawing/2014/main" xmlns="" id="{C57CA143-10BC-4F75-BDEC-0F96FACB1144}"/>
               </a:ext>
             </a:extLst>
           </p:cNvPr>
@@ -5188,7 +5192,7 @@
           <p:cNvPr id="31" name="사각형: 둥근 모서리 30">
             <a:extLst>
               <a:ext uri="{FF2B5EF4-FFF2-40B4-BE49-F238E27FC236}">
-                <a16:creationId xmlns="" xmlns:a16="http://schemas.microsoft.com/office/drawing/2014/main" id="{2ABBF860-9506-4A50-A578-D4B1D06E10D1}"/>
+                <a16:creationId xmlns:a16="http://schemas.microsoft.com/office/drawing/2014/main" xmlns="" id="{2ABBF860-9506-4A50-A578-D4B1D06E10D1}"/>
               </a:ext>
             </a:extLst>
           </p:cNvPr>
@@ -5238,7 +5242,7 @@
           <p:cNvPr id="39" name="사각형: 둥근 모서리 38">
             <a:extLst>
               <a:ext uri="{FF2B5EF4-FFF2-40B4-BE49-F238E27FC236}">
-                <a16:creationId xmlns="" xmlns:a16="http://schemas.microsoft.com/office/drawing/2014/main" id="{02401BBC-CA91-4BB2-BE06-01EB7D7040E7}"/>
+                <a16:creationId xmlns:a16="http://schemas.microsoft.com/office/drawing/2014/main" xmlns="" id="{02401BBC-CA91-4BB2-BE06-01EB7D7040E7}"/>
               </a:ext>
             </a:extLst>
           </p:cNvPr>
@@ -5288,7 +5292,7 @@
           <p:cNvPr id="40" name="직선 화살표 연결선 39">
             <a:extLst>
               <a:ext uri="{FF2B5EF4-FFF2-40B4-BE49-F238E27FC236}">
-                <a16:creationId xmlns="" xmlns:a16="http://schemas.microsoft.com/office/drawing/2014/main" id="{0258ECFF-791F-4F75-9B23-4F9153CF0B3D}"/>
+                <a16:creationId xmlns:a16="http://schemas.microsoft.com/office/drawing/2014/main" xmlns="" id="{0258ECFF-791F-4F75-9B23-4F9153CF0B3D}"/>
               </a:ext>
             </a:extLst>
           </p:cNvPr>
@@ -5335,7 +5339,7 @@
           <p:cNvPr id="42" name="직선 화살표 연결선 41">
             <a:extLst>
               <a:ext uri="{FF2B5EF4-FFF2-40B4-BE49-F238E27FC236}">
-                <a16:creationId xmlns="" xmlns:a16="http://schemas.microsoft.com/office/drawing/2014/main" id="{2DA03BE7-349D-42EB-841F-ACDF1C324F62}"/>
+                <a16:creationId xmlns:a16="http://schemas.microsoft.com/office/drawing/2014/main" xmlns="" id="{2DA03BE7-349D-42EB-841F-ACDF1C324F62}"/>
               </a:ext>
             </a:extLst>
           </p:cNvPr>
@@ -5382,7 +5386,7 @@
           <p:cNvPr id="45" name="사각형: 둥근 모서리 44">
             <a:extLst>
               <a:ext uri="{FF2B5EF4-FFF2-40B4-BE49-F238E27FC236}">
-                <a16:creationId xmlns="" xmlns:a16="http://schemas.microsoft.com/office/drawing/2014/main" id="{25E8936D-6811-4F8E-A74C-CD9BB1822F5F}"/>
+                <a16:creationId xmlns:a16="http://schemas.microsoft.com/office/drawing/2014/main" xmlns="" id="{25E8936D-6811-4F8E-A74C-CD9BB1822F5F}"/>
               </a:ext>
             </a:extLst>
           </p:cNvPr>
@@ -5432,7 +5436,7 @@
           <p:cNvPr id="46" name="직선 화살표 연결선 45">
             <a:extLst>
               <a:ext uri="{FF2B5EF4-FFF2-40B4-BE49-F238E27FC236}">
-                <a16:creationId xmlns="" xmlns:a16="http://schemas.microsoft.com/office/drawing/2014/main" id="{88EEC10E-79C7-4B94-8CA2-B1D1B18B8242}"/>
+                <a16:creationId xmlns:a16="http://schemas.microsoft.com/office/drawing/2014/main" xmlns="" id="{88EEC10E-79C7-4B94-8CA2-B1D1B18B8242}"/>
               </a:ext>
             </a:extLst>
           </p:cNvPr>
@@ -5479,7 +5483,7 @@
           <p:cNvPr id="28" name="직선 연결선 27">
             <a:extLst>
               <a:ext uri="{FF2B5EF4-FFF2-40B4-BE49-F238E27FC236}">
-                <a16:creationId xmlns="" xmlns:a16="http://schemas.microsoft.com/office/drawing/2014/main" id="{A99299D2-4ABB-4DDA-BDE7-BA71B9F61E42}"/>
+                <a16:creationId xmlns:a16="http://schemas.microsoft.com/office/drawing/2014/main" xmlns="" id="{A99299D2-4ABB-4DDA-BDE7-BA71B9F61E42}"/>
               </a:ext>
             </a:extLst>
           </p:cNvPr>
@@ -5523,7 +5527,7 @@
           <p:cNvPr id="53" name="사각형: 둥근 모서리 52">
             <a:extLst>
               <a:ext uri="{FF2B5EF4-FFF2-40B4-BE49-F238E27FC236}">
-                <a16:creationId xmlns="" xmlns:a16="http://schemas.microsoft.com/office/drawing/2014/main" id="{2C026359-8EB3-4205-B4DD-50325E2AE2CD}"/>
+                <a16:creationId xmlns:a16="http://schemas.microsoft.com/office/drawing/2014/main" xmlns="" id="{2C026359-8EB3-4205-B4DD-50325E2AE2CD}"/>
               </a:ext>
             </a:extLst>
           </p:cNvPr>
@@ -5576,7 +5580,7 @@
           <p:cNvPr id="55" name="사각형: 둥근 모서리 54">
             <a:extLst>
               <a:ext uri="{FF2B5EF4-FFF2-40B4-BE49-F238E27FC236}">
-                <a16:creationId xmlns="" xmlns:a16="http://schemas.microsoft.com/office/drawing/2014/main" id="{54191E13-9C02-445B-A0E9-860191A5017D}"/>
+                <a16:creationId xmlns:a16="http://schemas.microsoft.com/office/drawing/2014/main" xmlns="" id="{54191E13-9C02-445B-A0E9-860191A5017D}"/>
               </a:ext>
             </a:extLst>
           </p:cNvPr>
@@ -5687,7 +5691,7 @@
           <p:cNvPr id="17" name="사각형: 둥근 모서리 87">
             <a:extLst>
               <a:ext uri="{FF2B5EF4-FFF2-40B4-BE49-F238E27FC236}">
-                <a16:creationId xmlns="" xmlns:a16="http://schemas.microsoft.com/office/drawing/2014/main" id="{103D79A6-654B-4023-B3CC-3A17D3A14472}"/>
+                <a16:creationId xmlns:a16="http://schemas.microsoft.com/office/drawing/2014/main" xmlns="" id="{103D79A6-654B-4023-B3CC-3A17D3A14472}"/>
               </a:ext>
             </a:extLst>
           </p:cNvPr>
@@ -5737,7 +5741,7 @@
           <p:cNvPr id="18" name="사각형: 둥근 모서리 88">
             <a:extLst>
               <a:ext uri="{FF2B5EF4-FFF2-40B4-BE49-F238E27FC236}">
-                <a16:creationId xmlns="" xmlns:a16="http://schemas.microsoft.com/office/drawing/2014/main" id="{DDF6AEC1-72AC-4AC7-93E1-5C2AD9C83F93}"/>
+                <a16:creationId xmlns:a16="http://schemas.microsoft.com/office/drawing/2014/main" xmlns="" id="{DDF6AEC1-72AC-4AC7-93E1-5C2AD9C83F93}"/>
               </a:ext>
             </a:extLst>
           </p:cNvPr>
@@ -5791,7 +5795,7 @@
           <p:cNvPr id="19" name="사각형: 둥근 모서리 87">
             <a:extLst>
               <a:ext uri="{FF2B5EF4-FFF2-40B4-BE49-F238E27FC236}">
-                <a16:creationId xmlns="" xmlns:a16="http://schemas.microsoft.com/office/drawing/2014/main" id="{103D79A6-654B-4023-B3CC-3A17D3A14472}"/>
+                <a16:creationId xmlns:a16="http://schemas.microsoft.com/office/drawing/2014/main" xmlns="" id="{103D79A6-654B-4023-B3CC-3A17D3A14472}"/>
               </a:ext>
             </a:extLst>
           </p:cNvPr>
@@ -5841,7 +5845,7 @@
           <p:cNvPr id="20" name="사각형: 둥근 모서리 88">
             <a:extLst>
               <a:ext uri="{FF2B5EF4-FFF2-40B4-BE49-F238E27FC236}">
-                <a16:creationId xmlns="" xmlns:a16="http://schemas.microsoft.com/office/drawing/2014/main" id="{DDF6AEC1-72AC-4AC7-93E1-5C2AD9C83F93}"/>
+                <a16:creationId xmlns:a16="http://schemas.microsoft.com/office/drawing/2014/main" xmlns="" id="{DDF6AEC1-72AC-4AC7-93E1-5C2AD9C83F93}"/>
               </a:ext>
             </a:extLst>
           </p:cNvPr>
@@ -5891,7 +5895,7 @@
           <p:cNvPr id="25" name="사각형: 둥근 모서리 87">
             <a:extLst>
               <a:ext uri="{FF2B5EF4-FFF2-40B4-BE49-F238E27FC236}">
-                <a16:creationId xmlns="" xmlns:a16="http://schemas.microsoft.com/office/drawing/2014/main" id="{103D79A6-654B-4023-B3CC-3A17D3A14472}"/>
+                <a16:creationId xmlns:a16="http://schemas.microsoft.com/office/drawing/2014/main" xmlns="" id="{103D79A6-654B-4023-B3CC-3A17D3A14472}"/>
               </a:ext>
             </a:extLst>
           </p:cNvPr>
@@ -5941,7 +5945,7 @@
           <p:cNvPr id="26" name="사각형: 둥근 모서리 88">
             <a:extLst>
               <a:ext uri="{FF2B5EF4-FFF2-40B4-BE49-F238E27FC236}">
-                <a16:creationId xmlns="" xmlns:a16="http://schemas.microsoft.com/office/drawing/2014/main" id="{DDF6AEC1-72AC-4AC7-93E1-5C2AD9C83F93}"/>
+                <a16:creationId xmlns:a16="http://schemas.microsoft.com/office/drawing/2014/main" xmlns="" id="{DDF6AEC1-72AC-4AC7-93E1-5C2AD9C83F93}"/>
               </a:ext>
             </a:extLst>
           </p:cNvPr>
@@ -5991,7 +5995,7 @@
           <p:cNvPr id="29" name="사각형: 둥근 모서리 88">
             <a:extLst>
               <a:ext uri="{FF2B5EF4-FFF2-40B4-BE49-F238E27FC236}">
-                <a16:creationId xmlns="" xmlns:a16="http://schemas.microsoft.com/office/drawing/2014/main" id="{DDF6AEC1-72AC-4AC7-93E1-5C2AD9C83F93}"/>
+                <a16:creationId xmlns:a16="http://schemas.microsoft.com/office/drawing/2014/main" xmlns="" id="{DDF6AEC1-72AC-4AC7-93E1-5C2AD9C83F93}"/>
               </a:ext>
             </a:extLst>
           </p:cNvPr>
@@ -6041,7 +6045,7 @@
           <p:cNvPr id="30" name="사각형: 둥근 모서리 88">
             <a:extLst>
               <a:ext uri="{FF2B5EF4-FFF2-40B4-BE49-F238E27FC236}">
-                <a16:creationId xmlns="" xmlns:a16="http://schemas.microsoft.com/office/drawing/2014/main" id="{DDF6AEC1-72AC-4AC7-93E1-5C2AD9C83F93}"/>
+                <a16:creationId xmlns:a16="http://schemas.microsoft.com/office/drawing/2014/main" xmlns="" id="{DDF6AEC1-72AC-4AC7-93E1-5C2AD9C83F93}"/>
               </a:ext>
             </a:extLst>
           </p:cNvPr>
@@ -6091,7 +6095,7 @@
           <p:cNvPr id="34" name="사각형: 둥근 모서리 87">
             <a:extLst>
               <a:ext uri="{FF2B5EF4-FFF2-40B4-BE49-F238E27FC236}">
-                <a16:creationId xmlns="" xmlns:a16="http://schemas.microsoft.com/office/drawing/2014/main" id="{103D79A6-654B-4023-B3CC-3A17D3A14472}"/>
+                <a16:creationId xmlns:a16="http://schemas.microsoft.com/office/drawing/2014/main" xmlns="" id="{103D79A6-654B-4023-B3CC-3A17D3A14472}"/>
               </a:ext>
             </a:extLst>
           </p:cNvPr>
@@ -6141,7 +6145,7 @@
           <p:cNvPr id="36" name="사각형: 둥근 모서리 87">
             <a:extLst>
               <a:ext uri="{FF2B5EF4-FFF2-40B4-BE49-F238E27FC236}">
-                <a16:creationId xmlns="" xmlns:a16="http://schemas.microsoft.com/office/drawing/2014/main" id="{103D79A6-654B-4023-B3CC-3A17D3A14472}"/>
+                <a16:creationId xmlns:a16="http://schemas.microsoft.com/office/drawing/2014/main" xmlns="" id="{103D79A6-654B-4023-B3CC-3A17D3A14472}"/>
               </a:ext>
             </a:extLst>
           </p:cNvPr>
@@ -6205,7 +6209,7 @@
           <p:cNvPr id="37" name="사각형: 둥근 모서리 88">
             <a:extLst>
               <a:ext uri="{FF2B5EF4-FFF2-40B4-BE49-F238E27FC236}">
-                <a16:creationId xmlns="" xmlns:a16="http://schemas.microsoft.com/office/drawing/2014/main" id="{DDF6AEC1-72AC-4AC7-93E1-5C2AD9C83F93}"/>
+                <a16:creationId xmlns:a16="http://schemas.microsoft.com/office/drawing/2014/main" xmlns="" id="{DDF6AEC1-72AC-4AC7-93E1-5C2AD9C83F93}"/>
               </a:ext>
             </a:extLst>
           </p:cNvPr>
@@ -6251,7 +6255,7 @@
           <p:cNvPr id="43" name="직선 연결선 42">
             <a:extLst>
               <a:ext uri="{FF2B5EF4-FFF2-40B4-BE49-F238E27FC236}">
-                <a16:creationId xmlns="" xmlns:a16="http://schemas.microsoft.com/office/drawing/2014/main" id="{A99299D2-4ABB-4DDA-BDE7-BA71B9F61E42}"/>
+                <a16:creationId xmlns:a16="http://schemas.microsoft.com/office/drawing/2014/main" xmlns="" id="{A99299D2-4ABB-4DDA-BDE7-BA71B9F61E42}"/>
               </a:ext>
             </a:extLst>
           </p:cNvPr>
@@ -6295,7 +6299,7 @@
           <p:cNvPr id="44" name="사각형: 둥근 모서리 54">
             <a:extLst>
               <a:ext uri="{FF2B5EF4-FFF2-40B4-BE49-F238E27FC236}">
-                <a16:creationId xmlns="" xmlns:a16="http://schemas.microsoft.com/office/drawing/2014/main" id="{54191E13-9C02-445B-A0E9-860191A5017D}"/>
+                <a16:creationId xmlns:a16="http://schemas.microsoft.com/office/drawing/2014/main" xmlns="" id="{54191E13-9C02-445B-A0E9-860191A5017D}"/>
               </a:ext>
             </a:extLst>
           </p:cNvPr>
@@ -6349,7 +6353,7 @@
           <p:cNvPr id="48" name="사각형: 둥근 모서리 88">
             <a:extLst>
               <a:ext uri="{FF2B5EF4-FFF2-40B4-BE49-F238E27FC236}">
-                <a16:creationId xmlns="" xmlns:a16="http://schemas.microsoft.com/office/drawing/2014/main" id="{DDF6AEC1-72AC-4AC7-93E1-5C2AD9C83F93}"/>
+                <a16:creationId xmlns:a16="http://schemas.microsoft.com/office/drawing/2014/main" xmlns="" id="{DDF6AEC1-72AC-4AC7-93E1-5C2AD9C83F93}"/>
               </a:ext>
             </a:extLst>
           </p:cNvPr>
@@ -6410,7 +6414,7 @@
           <p:cNvPr id="49" name="사각형: 둥근 모서리 88">
             <a:extLst>
               <a:ext uri="{FF2B5EF4-FFF2-40B4-BE49-F238E27FC236}">
-                <a16:creationId xmlns="" xmlns:a16="http://schemas.microsoft.com/office/drawing/2014/main" id="{DDF6AEC1-72AC-4AC7-93E1-5C2AD9C83F93}"/>
+                <a16:creationId xmlns:a16="http://schemas.microsoft.com/office/drawing/2014/main" xmlns="" id="{DDF6AEC1-72AC-4AC7-93E1-5C2AD9C83F93}"/>
               </a:ext>
             </a:extLst>
           </p:cNvPr>
@@ -6471,7 +6475,7 @@
           <p:cNvPr id="51" name="사각형: 둥근 모서리 88">
             <a:extLst>
               <a:ext uri="{FF2B5EF4-FFF2-40B4-BE49-F238E27FC236}">
-                <a16:creationId xmlns="" xmlns:a16="http://schemas.microsoft.com/office/drawing/2014/main" id="{DDF6AEC1-72AC-4AC7-93E1-5C2AD9C83F93}"/>
+                <a16:creationId xmlns:a16="http://schemas.microsoft.com/office/drawing/2014/main" xmlns="" id="{DDF6AEC1-72AC-4AC7-93E1-5C2AD9C83F93}"/>
               </a:ext>
             </a:extLst>
           </p:cNvPr>
@@ -6532,7 +6536,7 @@
           <p:cNvPr id="52" name="사각형: 둥근 모서리 88">
             <a:extLst>
               <a:ext uri="{FF2B5EF4-FFF2-40B4-BE49-F238E27FC236}">
-                <a16:creationId xmlns="" xmlns:a16="http://schemas.microsoft.com/office/drawing/2014/main" id="{DDF6AEC1-72AC-4AC7-93E1-5C2AD9C83F93}"/>
+                <a16:creationId xmlns:a16="http://schemas.microsoft.com/office/drawing/2014/main" xmlns="" id="{DDF6AEC1-72AC-4AC7-93E1-5C2AD9C83F93}"/>
               </a:ext>
             </a:extLst>
           </p:cNvPr>
@@ -6593,7 +6597,7 @@
           <p:cNvPr id="54" name="사각형: 둥근 모서리 88">
             <a:extLst>
               <a:ext uri="{FF2B5EF4-FFF2-40B4-BE49-F238E27FC236}">
-                <a16:creationId xmlns="" xmlns:a16="http://schemas.microsoft.com/office/drawing/2014/main" id="{DDF6AEC1-72AC-4AC7-93E1-5C2AD9C83F93}"/>
+                <a16:creationId xmlns:a16="http://schemas.microsoft.com/office/drawing/2014/main" xmlns="" id="{DDF6AEC1-72AC-4AC7-93E1-5C2AD9C83F93}"/>
               </a:ext>
             </a:extLst>
           </p:cNvPr>
@@ -6654,7 +6658,7 @@
           <p:cNvPr id="56" name="사각형: 둥근 모서리 88">
             <a:extLst>
               <a:ext uri="{FF2B5EF4-FFF2-40B4-BE49-F238E27FC236}">
-                <a16:creationId xmlns="" xmlns:a16="http://schemas.microsoft.com/office/drawing/2014/main" id="{DDF6AEC1-72AC-4AC7-93E1-5C2AD9C83F93}"/>
+                <a16:creationId xmlns:a16="http://schemas.microsoft.com/office/drawing/2014/main" xmlns="" id="{DDF6AEC1-72AC-4AC7-93E1-5C2AD9C83F93}"/>
               </a:ext>
             </a:extLst>
           </p:cNvPr>
@@ -6715,7 +6719,7 @@
           <p:cNvPr id="57" name="사각형: 둥근 모서리 88">
             <a:extLst>
               <a:ext uri="{FF2B5EF4-FFF2-40B4-BE49-F238E27FC236}">
-                <a16:creationId xmlns="" xmlns:a16="http://schemas.microsoft.com/office/drawing/2014/main" id="{DDF6AEC1-72AC-4AC7-93E1-5C2AD9C83F93}"/>
+                <a16:creationId xmlns:a16="http://schemas.microsoft.com/office/drawing/2014/main" xmlns="" id="{DDF6AEC1-72AC-4AC7-93E1-5C2AD9C83F93}"/>
               </a:ext>
             </a:extLst>
           </p:cNvPr>
@@ -6776,7 +6780,7 @@
           <p:cNvPr id="59" name="직선 연결선 58">
             <a:extLst>
               <a:ext uri="{FF2B5EF4-FFF2-40B4-BE49-F238E27FC236}">
-                <a16:creationId xmlns="" xmlns:a16="http://schemas.microsoft.com/office/drawing/2014/main" id="{A99299D2-4ABB-4DDA-BDE7-BA71B9F61E42}"/>
+                <a16:creationId xmlns:a16="http://schemas.microsoft.com/office/drawing/2014/main" xmlns="" id="{A99299D2-4ABB-4DDA-BDE7-BA71B9F61E42}"/>
               </a:ext>
             </a:extLst>
           </p:cNvPr>
@@ -6820,7 +6824,7 @@
           <p:cNvPr id="60" name="직선 화살표 연결선 59">
             <a:extLst>
               <a:ext uri="{FF2B5EF4-FFF2-40B4-BE49-F238E27FC236}">
-                <a16:creationId xmlns="" xmlns:a16="http://schemas.microsoft.com/office/drawing/2014/main" id="{C57CA143-10BC-4F75-BDEC-0F96FACB1144}"/>
+                <a16:creationId xmlns:a16="http://schemas.microsoft.com/office/drawing/2014/main" xmlns="" id="{C57CA143-10BC-4F75-BDEC-0F96FACB1144}"/>
               </a:ext>
             </a:extLst>
           </p:cNvPr>
@@ -6865,7 +6869,7 @@
           <p:cNvPr id="61" name="직선 화살표 연결선 60">
             <a:extLst>
               <a:ext uri="{FF2B5EF4-FFF2-40B4-BE49-F238E27FC236}">
-                <a16:creationId xmlns="" xmlns:a16="http://schemas.microsoft.com/office/drawing/2014/main" id="{C57CA143-10BC-4F75-BDEC-0F96FACB1144}"/>
+                <a16:creationId xmlns:a16="http://schemas.microsoft.com/office/drawing/2014/main" xmlns="" id="{C57CA143-10BC-4F75-BDEC-0F96FACB1144}"/>
               </a:ext>
             </a:extLst>
           </p:cNvPr>
@@ -6912,7 +6916,7 @@
           <p:cNvPr id="62" name="직선 화살표 연결선 61">
             <a:extLst>
               <a:ext uri="{FF2B5EF4-FFF2-40B4-BE49-F238E27FC236}">
-                <a16:creationId xmlns="" xmlns:a16="http://schemas.microsoft.com/office/drawing/2014/main" id="{C57CA143-10BC-4F75-BDEC-0F96FACB1144}"/>
+                <a16:creationId xmlns:a16="http://schemas.microsoft.com/office/drawing/2014/main" xmlns="" id="{C57CA143-10BC-4F75-BDEC-0F96FACB1144}"/>
               </a:ext>
             </a:extLst>
           </p:cNvPr>
@@ -6959,7 +6963,7 @@
           <p:cNvPr id="63" name="직선 화살표 연결선 62">
             <a:extLst>
               <a:ext uri="{FF2B5EF4-FFF2-40B4-BE49-F238E27FC236}">
-                <a16:creationId xmlns="" xmlns:a16="http://schemas.microsoft.com/office/drawing/2014/main" id="{C57CA143-10BC-4F75-BDEC-0F96FACB1144}"/>
+                <a16:creationId xmlns:a16="http://schemas.microsoft.com/office/drawing/2014/main" xmlns="" id="{C57CA143-10BC-4F75-BDEC-0F96FACB1144}"/>
               </a:ext>
             </a:extLst>
           </p:cNvPr>
@@ -7006,7 +7010,7 @@
           <p:cNvPr id="64" name="직선 화살표 연결선 63">
             <a:extLst>
               <a:ext uri="{FF2B5EF4-FFF2-40B4-BE49-F238E27FC236}">
-                <a16:creationId xmlns="" xmlns:a16="http://schemas.microsoft.com/office/drawing/2014/main" id="{C57CA143-10BC-4F75-BDEC-0F96FACB1144}"/>
+                <a16:creationId xmlns:a16="http://schemas.microsoft.com/office/drawing/2014/main" xmlns="" id="{C57CA143-10BC-4F75-BDEC-0F96FACB1144}"/>
               </a:ext>
             </a:extLst>
           </p:cNvPr>
@@ -7052,7 +7056,7 @@
           <p:cNvPr id="66" name="사각형: 둥근 모서리 54">
             <a:extLst>
               <a:ext uri="{FF2B5EF4-FFF2-40B4-BE49-F238E27FC236}">
-                <a16:creationId xmlns="" xmlns:a16="http://schemas.microsoft.com/office/drawing/2014/main" id="{54191E13-9C02-445B-A0E9-860191A5017D}"/>
+                <a16:creationId xmlns:a16="http://schemas.microsoft.com/office/drawing/2014/main" xmlns="" id="{54191E13-9C02-445B-A0E9-860191A5017D}"/>
               </a:ext>
             </a:extLst>
           </p:cNvPr>
@@ -7106,7 +7110,7 @@
           <p:cNvPr id="67" name="사각형: 둥근 모서리 54">
             <a:extLst>
               <a:ext uri="{FF2B5EF4-FFF2-40B4-BE49-F238E27FC236}">
-                <a16:creationId xmlns="" xmlns:a16="http://schemas.microsoft.com/office/drawing/2014/main" id="{54191E13-9C02-445B-A0E9-860191A5017D}"/>
+                <a16:creationId xmlns:a16="http://schemas.microsoft.com/office/drawing/2014/main" xmlns="" id="{54191E13-9C02-445B-A0E9-860191A5017D}"/>
               </a:ext>
             </a:extLst>
           </p:cNvPr>
@@ -7160,7 +7164,7 @@
           <p:cNvPr id="68" name="사각형: 둥근 모서리 54">
             <a:extLst>
               <a:ext uri="{FF2B5EF4-FFF2-40B4-BE49-F238E27FC236}">
-                <a16:creationId xmlns="" xmlns:a16="http://schemas.microsoft.com/office/drawing/2014/main" id="{54191E13-9C02-445B-A0E9-860191A5017D}"/>
+                <a16:creationId xmlns:a16="http://schemas.microsoft.com/office/drawing/2014/main" xmlns="" id="{54191E13-9C02-445B-A0E9-860191A5017D}"/>
               </a:ext>
             </a:extLst>
           </p:cNvPr>
